--- a/互联网公司十大算法面试题.pptx
+++ b/互联网公司十大算法面试题.pptx
@@ -8,12 +8,15 @@
     <p:notesMasterId r:id="rId4"/>
   </p:notesMasterIdLst>
   <p:handoutMasterIdLst>
-    <p:handoutMasterId r:id="rId7"/>
+    <p:handoutMasterId r:id="rId10"/>
   </p:handoutMasterIdLst>
   <p:sldIdLst>
     <p:sldId id="256" r:id="rId3"/>
     <p:sldId id="258" r:id="rId5"/>
-    <p:sldId id="257" r:id="rId6"/>
+    <p:sldId id="259" r:id="rId6"/>
+    <p:sldId id="260" r:id="rId7"/>
+    <p:sldId id="261" r:id="rId8"/>
+    <p:sldId id="262" r:id="rId9"/>
   </p:sldIdLst>
   <p:sldSz cx="12192000" cy="6858000"/>
   <p:notesSz cx="6858000" cy="9144000"/>
@@ -884,6 +887,240 @@
 </p:notes>
 </file>
 
+<file path=ppt/notesSlides/notesSlide4.xml><?xml version="1.0" encoding="utf-8"?>
+<p:notes xmlns:a="http://schemas.openxmlformats.org/drawingml/2006/main" xmlns:r="http://schemas.openxmlformats.org/officeDocument/2006/relationships" xmlns:p="http://schemas.openxmlformats.org/presentationml/2006/main">
+  <p:cSld>
+    <p:spTree>
+      <p:nvGrpSpPr>
+        <p:cNvPr id="1" name=""/>
+        <p:cNvGrpSpPr/>
+        <p:nvPr/>
+      </p:nvGrpSpPr>
+      <p:grpSpPr>
+        <a:xfrm>
+          <a:off x="0" y="0"/>
+          <a:ext cx="0" cy="0"/>
+          <a:chOff x="0" y="0"/>
+          <a:chExt cx="0" cy="0"/>
+        </a:xfrm>
+      </p:grpSpPr>
+      <p:sp>
+        <p:nvSpPr>
+          <p:cNvPr id="2" name="幻灯片图像占位符 1"/>
+          <p:cNvSpPr>
+            <a:spLocks noGrp="1" noRot="1" noChangeAspect="1"/>
+          </p:cNvSpPr>
+          <p:nvPr>
+            <p:ph type="sldImg"/>
+          </p:nvPr>
+        </p:nvSpPr>
+        <p:spPr/>
+      </p:sp>
+      <p:sp>
+        <p:nvSpPr>
+          <p:cNvPr id="3" name="备注占位符 2"/>
+          <p:cNvSpPr>
+            <a:spLocks noGrp="1"/>
+          </p:cNvSpPr>
+          <p:nvPr>
+            <p:ph type="body" idx="1"/>
+          </p:nvPr>
+        </p:nvSpPr>
+        <p:spPr/>
+        <p:txBody>
+          <a:bodyPr/>
+          <a:lstStyle/>
+          <a:p>
+            <a:endParaRPr lang="zh-CN" altLang="en-US"/>
+          </a:p>
+        </p:txBody>
+      </p:sp>
+      <p:sp>
+        <p:nvSpPr>
+          <p:cNvPr id="4" name="灯片编号占位符 3"/>
+          <p:cNvSpPr>
+            <a:spLocks noGrp="1"/>
+          </p:cNvSpPr>
+          <p:nvPr>
+            <p:ph type="sldNum" sz="quarter" idx="10"/>
+          </p:nvPr>
+        </p:nvSpPr>
+        <p:spPr/>
+        <p:txBody>
+          <a:bodyPr/>
+          <a:lstStyle/>
+          <a:p>
+            <a:fld id="{85D0DACE-38E0-42D2-9336-2B707D34BC6D}" type="slidenum">
+              <a:rPr lang="zh-CN" altLang="en-US" smtClean="0"/>
+            </a:fld>
+            <a:endParaRPr lang="zh-CN" altLang="en-US"/>
+          </a:p>
+        </p:txBody>
+      </p:sp>
+    </p:spTree>
+  </p:cSld>
+  <p:clrMapOvr>
+    <a:masterClrMapping/>
+  </p:clrMapOvr>
+</p:notes>
+</file>
+
+<file path=ppt/notesSlides/notesSlide5.xml><?xml version="1.0" encoding="utf-8"?>
+<p:notes xmlns:a="http://schemas.openxmlformats.org/drawingml/2006/main" xmlns:r="http://schemas.openxmlformats.org/officeDocument/2006/relationships" xmlns:p="http://schemas.openxmlformats.org/presentationml/2006/main">
+  <p:cSld>
+    <p:spTree>
+      <p:nvGrpSpPr>
+        <p:cNvPr id="1" name=""/>
+        <p:cNvGrpSpPr/>
+        <p:nvPr/>
+      </p:nvGrpSpPr>
+      <p:grpSpPr>
+        <a:xfrm>
+          <a:off x="0" y="0"/>
+          <a:ext cx="0" cy="0"/>
+          <a:chOff x="0" y="0"/>
+          <a:chExt cx="0" cy="0"/>
+        </a:xfrm>
+      </p:grpSpPr>
+      <p:sp>
+        <p:nvSpPr>
+          <p:cNvPr id="2" name="幻灯片图像占位符 1"/>
+          <p:cNvSpPr>
+            <a:spLocks noGrp="1" noRot="1" noChangeAspect="1"/>
+          </p:cNvSpPr>
+          <p:nvPr>
+            <p:ph type="sldImg"/>
+          </p:nvPr>
+        </p:nvSpPr>
+        <p:spPr/>
+      </p:sp>
+      <p:sp>
+        <p:nvSpPr>
+          <p:cNvPr id="3" name="备注占位符 2"/>
+          <p:cNvSpPr>
+            <a:spLocks noGrp="1"/>
+          </p:cNvSpPr>
+          <p:nvPr>
+            <p:ph type="body" idx="1"/>
+          </p:nvPr>
+        </p:nvSpPr>
+        <p:spPr/>
+        <p:txBody>
+          <a:bodyPr/>
+          <a:lstStyle/>
+          <a:p>
+            <a:endParaRPr lang="zh-CN" altLang="en-US"/>
+          </a:p>
+        </p:txBody>
+      </p:sp>
+      <p:sp>
+        <p:nvSpPr>
+          <p:cNvPr id="4" name="灯片编号占位符 3"/>
+          <p:cNvSpPr>
+            <a:spLocks noGrp="1"/>
+          </p:cNvSpPr>
+          <p:nvPr>
+            <p:ph type="sldNum" sz="quarter" idx="10"/>
+          </p:nvPr>
+        </p:nvSpPr>
+        <p:spPr/>
+        <p:txBody>
+          <a:bodyPr/>
+          <a:lstStyle/>
+          <a:p>
+            <a:fld id="{85D0DACE-38E0-42D2-9336-2B707D34BC6D}" type="slidenum">
+              <a:rPr lang="zh-CN" altLang="en-US" smtClean="0"/>
+            </a:fld>
+            <a:endParaRPr lang="zh-CN" altLang="en-US"/>
+          </a:p>
+        </p:txBody>
+      </p:sp>
+    </p:spTree>
+  </p:cSld>
+  <p:clrMapOvr>
+    <a:masterClrMapping/>
+  </p:clrMapOvr>
+</p:notes>
+</file>
+
+<file path=ppt/notesSlides/notesSlide6.xml><?xml version="1.0" encoding="utf-8"?>
+<p:notes xmlns:a="http://schemas.openxmlformats.org/drawingml/2006/main" xmlns:r="http://schemas.openxmlformats.org/officeDocument/2006/relationships" xmlns:p="http://schemas.openxmlformats.org/presentationml/2006/main">
+  <p:cSld>
+    <p:spTree>
+      <p:nvGrpSpPr>
+        <p:cNvPr id="1" name=""/>
+        <p:cNvGrpSpPr/>
+        <p:nvPr/>
+      </p:nvGrpSpPr>
+      <p:grpSpPr>
+        <a:xfrm>
+          <a:off x="0" y="0"/>
+          <a:ext cx="0" cy="0"/>
+          <a:chOff x="0" y="0"/>
+          <a:chExt cx="0" cy="0"/>
+        </a:xfrm>
+      </p:grpSpPr>
+      <p:sp>
+        <p:nvSpPr>
+          <p:cNvPr id="2" name="幻灯片图像占位符 1"/>
+          <p:cNvSpPr>
+            <a:spLocks noGrp="1" noRot="1" noChangeAspect="1"/>
+          </p:cNvSpPr>
+          <p:nvPr>
+            <p:ph type="sldImg"/>
+          </p:nvPr>
+        </p:nvSpPr>
+        <p:spPr/>
+      </p:sp>
+      <p:sp>
+        <p:nvSpPr>
+          <p:cNvPr id="3" name="备注占位符 2"/>
+          <p:cNvSpPr>
+            <a:spLocks noGrp="1"/>
+          </p:cNvSpPr>
+          <p:nvPr>
+            <p:ph type="body" idx="1"/>
+          </p:nvPr>
+        </p:nvSpPr>
+        <p:spPr/>
+        <p:txBody>
+          <a:bodyPr/>
+          <a:lstStyle/>
+          <a:p>
+            <a:endParaRPr lang="zh-CN" altLang="en-US"/>
+          </a:p>
+        </p:txBody>
+      </p:sp>
+      <p:sp>
+        <p:nvSpPr>
+          <p:cNvPr id="4" name="灯片编号占位符 3"/>
+          <p:cNvSpPr>
+            <a:spLocks noGrp="1"/>
+          </p:cNvSpPr>
+          <p:nvPr>
+            <p:ph type="sldNum" sz="quarter" idx="10"/>
+          </p:nvPr>
+        </p:nvSpPr>
+        <p:spPr/>
+        <p:txBody>
+          <a:bodyPr/>
+          <a:lstStyle/>
+          <a:p>
+            <a:fld id="{85D0DACE-38E0-42D2-9336-2B707D34BC6D}" type="slidenum">
+              <a:rPr lang="zh-CN" altLang="en-US" smtClean="0"/>
+            </a:fld>
+            <a:endParaRPr lang="zh-CN" altLang="en-US"/>
+          </a:p>
+        </p:txBody>
+      </p:sp>
+    </p:spTree>
+  </p:cSld>
+  <p:clrMapOvr>
+    <a:masterClrMapping/>
+  </p:clrMapOvr>
+</p:notes>
+</file>
+
 <file path=ppt/slideLayouts/slideLayout1.xml><?xml version="1.0" encoding="utf-8"?>
 <p:sldLayout xmlns:a="http://schemas.openxmlformats.org/drawingml/2006/main" xmlns:r="http://schemas.openxmlformats.org/officeDocument/2006/relationships" xmlns:p="http://schemas.openxmlformats.org/presentationml/2006/main" type="title" preserve="1">
   <p:cSld name="标题幻灯片">
@@ -1581,7 +1818,7 @@
               <a:spcAft>
                 <a:spcPts val="1000"/>
               </a:spcAft>
-              <a:buFont typeface="Arial" panose="020B0604020202020204" pitchFamily="34" charset="0"/>
+              <a:buFont typeface="Arial" panose="020B0604020202090204" pitchFamily="34" charset="0"/>
               <a:buChar char="•"/>
               <a:defRPr kumimoji="0" lang="zh-CN" altLang="en-US" sz="1600" b="0" i="0" u="none" strike="noStrike" kern="1200" cap="none" spc="150" normalizeH="0" baseline="0" noProof="1" dirty="0">
                 <a:solidFill>
@@ -1607,7 +1844,7 @@
               <a:spcAft>
                 <a:spcPts val="1000"/>
               </a:spcAft>
-              <a:buFont typeface="Arial" panose="020B0604020202020204" pitchFamily="34" charset="0"/>
+              <a:buFont typeface="Arial" panose="020B0604020202090204" pitchFamily="34" charset="0"/>
               <a:buChar char="•"/>
               <a:tabLst>
                 <a:tab pos="1609725" algn="l"/>
@@ -1636,7 +1873,7 @@
               <a:spcAft>
                 <a:spcPts val="1000"/>
               </a:spcAft>
-              <a:buFont typeface="Arial" panose="020B0604020202020204" pitchFamily="34" charset="0"/>
+              <a:buFont typeface="Arial" panose="020B0604020202090204" pitchFamily="34" charset="0"/>
               <a:buChar char="•"/>
               <a:defRPr kumimoji="0" lang="zh-CN" altLang="en-US" sz="1600" b="0" i="0" u="none" strike="noStrike" kern="1200" cap="none" spc="150" normalizeH="0" baseline="0" noProof="1" dirty="0">
                 <a:solidFill>
@@ -1662,7 +1899,7 @@
               <a:spcAft>
                 <a:spcPts val="1000"/>
               </a:spcAft>
-              <a:buFont typeface="Arial" panose="020B0604020202020204" pitchFamily="34" charset="0"/>
+              <a:buFont typeface="Arial" panose="020B0604020202090204" pitchFamily="34" charset="0"/>
               <a:buChar char="•"/>
               <a:defRPr kumimoji="0" lang="zh-CN" altLang="en-US" sz="1600" b="0" i="0" u="none" strike="noStrike" kern="1200" cap="none" spc="150" normalizeH="0" baseline="0" noProof="1" dirty="0">
                 <a:solidFill>
@@ -1688,7 +1925,7 @@
               <a:spcAft>
                 <a:spcPts val="1000"/>
               </a:spcAft>
-              <a:buFont typeface="Arial" panose="020B0604020202020204" pitchFamily="34" charset="0"/>
+              <a:buFont typeface="Arial" panose="020B0604020202090204" pitchFamily="34" charset="0"/>
               <a:buChar char="•"/>
               <a:defRPr kumimoji="0" lang="zh-CN" altLang="en-US" sz="1600" b="0" i="0" u="none" strike="noStrike" kern="1200" cap="none" spc="150" normalizeH="0" baseline="0" noProof="1" dirty="0">
                 <a:solidFill>
@@ -2227,7 +2464,7 @@
               <a:spcAft>
                 <a:spcPts val="1000"/>
               </a:spcAft>
-              <a:buFont typeface="Arial" panose="020B0604020202020204" pitchFamily="34" charset="0"/>
+              <a:buFont typeface="Arial" panose="020B0604020202090204" pitchFamily="34" charset="0"/>
               <a:buChar char="•"/>
               <a:defRPr kumimoji="0" lang="zh-CN" altLang="en-US" sz="1600" b="0" i="0" u="none" strike="noStrike" kern="1200" cap="none" spc="150" normalizeH="0" baseline="0" noProof="1" dirty="0">
                 <a:solidFill>
@@ -2253,7 +2490,7 @@
               <a:spcAft>
                 <a:spcPts val="1000"/>
               </a:spcAft>
-              <a:buFont typeface="Arial" panose="020B0604020202020204" pitchFamily="34" charset="0"/>
+              <a:buFont typeface="Arial" panose="020B0604020202090204" pitchFamily="34" charset="0"/>
               <a:buChar char="•"/>
               <a:tabLst>
                 <a:tab pos="1609725" algn="l"/>
@@ -2282,7 +2519,7 @@
               <a:spcAft>
                 <a:spcPts val="1000"/>
               </a:spcAft>
-              <a:buFont typeface="Arial" panose="020B0604020202020204" pitchFamily="34" charset="0"/>
+              <a:buFont typeface="Arial" panose="020B0604020202090204" pitchFamily="34" charset="0"/>
               <a:buChar char="•"/>
               <a:defRPr kumimoji="0" lang="zh-CN" altLang="en-US" sz="1600" b="0" i="0" u="none" strike="noStrike" kern="1200" cap="none" spc="150" normalizeH="0" baseline="0" noProof="1" dirty="0">
                 <a:solidFill>
@@ -2308,7 +2545,7 @@
               <a:spcAft>
                 <a:spcPts val="1000"/>
               </a:spcAft>
-              <a:buFont typeface="Arial" panose="020B0604020202020204" pitchFamily="34" charset="0"/>
+              <a:buFont typeface="Arial" panose="020B0604020202090204" pitchFamily="34" charset="0"/>
               <a:buChar char="•"/>
               <a:defRPr kumimoji="0" lang="zh-CN" altLang="en-US" sz="1600" b="0" i="0" u="none" strike="noStrike" kern="1200" cap="none" spc="150" normalizeH="0" baseline="0" noProof="1" dirty="0">
                 <a:solidFill>
@@ -2334,7 +2571,7 @@
               <a:spcAft>
                 <a:spcPts val="1000"/>
               </a:spcAft>
-              <a:buFont typeface="Arial" panose="020B0604020202020204" pitchFamily="34" charset="0"/>
+              <a:buFont typeface="Arial" panose="020B0604020202090204" pitchFamily="34" charset="0"/>
               <a:buChar char="•"/>
               <a:defRPr kumimoji="0" lang="zh-CN" altLang="en-US" sz="1600" b="0" i="0" u="none" strike="noStrike" kern="1200" cap="none" spc="150" normalizeH="0" baseline="0" noProof="1" dirty="0">
                 <a:solidFill>
@@ -2798,7 +3035,7 @@
               <a:spcAft>
                 <a:spcPts val="1000"/>
               </a:spcAft>
-              <a:buFont typeface="Arial" panose="020B0604020202020204" pitchFamily="34" charset="0"/>
+              <a:buFont typeface="Arial" panose="020B0604020202090204" pitchFamily="34" charset="0"/>
               <a:buChar char="•"/>
               <a:defRPr kumimoji="0" lang="zh-CN" altLang="en-US" sz="1600" b="0" i="0" u="none" strike="noStrike" kern="1200" cap="none" spc="150" normalizeH="0" baseline="0" noProof="1" dirty="0">
                 <a:solidFill>
@@ -2824,7 +3061,7 @@
               <a:spcAft>
                 <a:spcPts val="1000"/>
               </a:spcAft>
-              <a:buFont typeface="Arial" panose="020B0604020202020204" pitchFamily="34" charset="0"/>
+              <a:buFont typeface="Arial" panose="020B0604020202090204" pitchFamily="34" charset="0"/>
               <a:buChar char="•"/>
               <a:tabLst>
                 <a:tab pos="1609725" algn="l"/>
@@ -2853,7 +3090,7 @@
               <a:spcAft>
                 <a:spcPts val="1000"/>
               </a:spcAft>
-              <a:buFont typeface="Arial" panose="020B0604020202020204" pitchFamily="34" charset="0"/>
+              <a:buFont typeface="Arial" panose="020B0604020202090204" pitchFamily="34" charset="0"/>
               <a:buChar char="•"/>
               <a:defRPr kumimoji="0" lang="zh-CN" altLang="en-US" sz="1600" b="0" i="0" u="none" strike="noStrike" kern="1200" cap="none" spc="150" normalizeH="0" baseline="0" noProof="1" dirty="0">
                 <a:solidFill>
@@ -2879,7 +3116,7 @@
               <a:spcAft>
                 <a:spcPts val="1000"/>
               </a:spcAft>
-              <a:buFont typeface="Arial" panose="020B0604020202020204" pitchFamily="34" charset="0"/>
+              <a:buFont typeface="Arial" panose="020B0604020202090204" pitchFamily="34" charset="0"/>
               <a:buChar char="•"/>
               <a:defRPr kumimoji="0" lang="zh-CN" altLang="en-US" sz="1600" b="0" i="0" u="none" strike="noStrike" kern="1200" cap="none" spc="150" normalizeH="0" baseline="0" noProof="1" dirty="0">
                 <a:solidFill>
@@ -2905,7 +3142,7 @@
               <a:spcAft>
                 <a:spcPts val="1000"/>
               </a:spcAft>
-              <a:buFont typeface="Arial" panose="020B0604020202020204" pitchFamily="34" charset="0"/>
+              <a:buFont typeface="Arial" panose="020B0604020202090204" pitchFamily="34" charset="0"/>
               <a:buChar char="•"/>
               <a:defRPr kumimoji="0" lang="zh-CN" altLang="en-US" sz="1600" b="0" i="0" u="none" strike="noStrike" kern="1200" cap="none" spc="150" normalizeH="0" baseline="0" noProof="1" dirty="0">
                 <a:solidFill>
@@ -3018,7 +3255,7 @@
               <a:spcAft>
                 <a:spcPts val="0"/>
               </a:spcAft>
-              <a:buFont typeface="Arial" panose="020B0604020202020204" pitchFamily="34" charset="0"/>
+              <a:buFont typeface="Arial" panose="020B0604020202090204" pitchFamily="34" charset="0"/>
               <a:buNone/>
               <a:defRPr kumimoji="0" lang="zh-CN" altLang="en-US" sz="2000" b="1" i="0" u="none" strike="noStrike" kern="1200" cap="none" spc="200" normalizeH="0" baseline="0" noProof="1" dirty="0">
                 <a:solidFill>
@@ -3112,7 +3349,7 @@
               <a:spcAft>
                 <a:spcPts val="1000"/>
               </a:spcAft>
-              <a:buFont typeface="Arial" panose="020B0604020202020204" pitchFamily="34" charset="0"/>
+              <a:buFont typeface="Arial" panose="020B0604020202090204" pitchFamily="34" charset="0"/>
               <a:buChar char="•"/>
               <a:defRPr kumimoji="0" lang="zh-CN" altLang="en-US" sz="1600" b="0" i="0" u="none" strike="noStrike" kern="1200" cap="none" spc="150" normalizeH="0" baseline="0" noProof="1" dirty="0">
                 <a:solidFill>
@@ -3138,7 +3375,7 @@
               <a:spcAft>
                 <a:spcPts val="1000"/>
               </a:spcAft>
-              <a:buFont typeface="Arial" panose="020B0604020202020204" pitchFamily="34" charset="0"/>
+              <a:buFont typeface="Arial" panose="020B0604020202090204" pitchFamily="34" charset="0"/>
               <a:buChar char="•"/>
               <a:tabLst>
                 <a:tab pos="1609725" algn="l"/>
@@ -3167,7 +3404,7 @@
               <a:spcAft>
                 <a:spcPts val="1000"/>
               </a:spcAft>
-              <a:buFont typeface="Arial" panose="020B0604020202020204" pitchFamily="34" charset="0"/>
+              <a:buFont typeface="Arial" panose="020B0604020202090204" pitchFamily="34" charset="0"/>
               <a:buChar char="•"/>
               <a:defRPr kumimoji="0" lang="zh-CN" altLang="en-US" sz="1600" b="0" i="0" u="none" strike="noStrike" kern="1200" cap="none" spc="150" normalizeH="0" baseline="0" noProof="1" dirty="0">
                 <a:solidFill>
@@ -3193,7 +3430,7 @@
               <a:spcAft>
                 <a:spcPts val="1000"/>
               </a:spcAft>
-              <a:buFont typeface="Arial" panose="020B0604020202020204" pitchFamily="34" charset="0"/>
+              <a:buFont typeface="Arial" panose="020B0604020202090204" pitchFamily="34" charset="0"/>
               <a:buChar char="•"/>
               <a:defRPr kumimoji="0" lang="zh-CN" altLang="en-US" sz="1600" b="0" i="0" u="none" strike="noStrike" kern="1200" cap="none" spc="150" normalizeH="0" baseline="0" noProof="1" dirty="0">
                 <a:solidFill>
@@ -3219,7 +3456,7 @@
               <a:spcAft>
                 <a:spcPts val="1000"/>
               </a:spcAft>
-              <a:buFont typeface="Arial" panose="020B0604020202020204" pitchFamily="34" charset="0"/>
+              <a:buFont typeface="Arial" panose="020B0604020202090204" pitchFamily="34" charset="0"/>
               <a:buChar char="•"/>
               <a:defRPr kumimoji="0" lang="zh-CN" altLang="en-US" sz="1600" b="0" i="0" u="none" strike="noStrike" kern="1200" cap="none" spc="150" normalizeH="0" baseline="0" noProof="1" dirty="0">
                 <a:solidFill>
@@ -3673,7 +3910,7 @@
               <a:spcAft>
                 <a:spcPts val="1000"/>
               </a:spcAft>
-              <a:buFont typeface="Arial" panose="020B0604020202020204" pitchFamily="34" charset="0"/>
+              <a:buFont typeface="Arial" panose="020B0604020202090204" pitchFamily="34" charset="0"/>
               <a:buNone/>
               <a:defRPr kumimoji="0" lang="zh-CN" altLang="en-US" sz="1600" b="0" i="0" u="none" strike="noStrike" kern="1200" cap="none" spc="150" normalizeH="0" baseline="0" noProof="1" dirty="0">
                 <a:solidFill>
@@ -3699,7 +3936,7 @@
               <a:spcAft>
                 <a:spcPts val="1000"/>
               </a:spcAft>
-              <a:buFont typeface="Arial" panose="020B0604020202020204" pitchFamily="34" charset="0"/>
+              <a:buFont typeface="Arial" panose="020B0604020202090204" pitchFamily="34" charset="0"/>
               <a:buChar char="•"/>
               <a:tabLst>
                 <a:tab pos="1609725" algn="l"/>
@@ -3725,7 +3962,7 @@
               <a:spcAft>
                 <a:spcPts val="1000"/>
               </a:spcAft>
-              <a:buFont typeface="Arial" panose="020B0604020202020204" pitchFamily="34" charset="0"/>
+              <a:buFont typeface="Arial" panose="020B0604020202090204" pitchFamily="34" charset="0"/>
               <a:buChar char="•"/>
               <a:defRPr kumimoji="0" lang="zh-CN" altLang="en-US" sz="1600" b="0" i="0" u="none" strike="noStrike" kern="1200" cap="none" spc="150" normalizeH="0" baseline="0" noProof="1" dirty="0">
                 <a:solidFill>
@@ -3748,7 +3985,7 @@
               <a:spcAft>
                 <a:spcPts val="1000"/>
               </a:spcAft>
-              <a:buFont typeface="Arial" panose="020B0604020202020204" pitchFamily="34" charset="0"/>
+              <a:buFont typeface="Arial" panose="020B0604020202090204" pitchFamily="34" charset="0"/>
               <a:buChar char="•"/>
               <a:defRPr kumimoji="0" lang="zh-CN" altLang="en-US" sz="1600" b="0" i="0" u="none" strike="noStrike" kern="1200" cap="none" spc="150" normalizeH="0" baseline="0" noProof="1" dirty="0">
                 <a:solidFill>
@@ -3771,7 +4008,7 @@
               <a:spcAft>
                 <a:spcPts val="1000"/>
               </a:spcAft>
-              <a:buFont typeface="Arial" panose="020B0604020202020204" pitchFamily="34" charset="0"/>
+              <a:buFont typeface="Arial" panose="020B0604020202090204" pitchFamily="34" charset="0"/>
               <a:buChar char="•"/>
               <a:defRPr kumimoji="0" lang="zh-CN" altLang="en-US" sz="1600" b="0" i="0" u="none" strike="noStrike" kern="1200" cap="none" spc="150" normalizeH="0" baseline="0" noProof="1" dirty="0">
                 <a:solidFill>
@@ -3827,7 +4064,7 @@
               <a:spcAft>
                 <a:spcPts val="1000"/>
               </a:spcAft>
-              <a:buFont typeface="Arial" panose="020B0604020202020204" pitchFamily="34" charset="0"/>
+              <a:buFont typeface="Arial" panose="020B0604020202090204" pitchFamily="34" charset="0"/>
               <a:buChar char="•"/>
               <a:defRPr kumimoji="0" lang="zh-CN" altLang="en-US" sz="1600" b="0" i="0" u="none" strike="noStrike" kern="1200" cap="none" spc="150" normalizeH="0" baseline="0" noProof="1" dirty="0">
                 <a:solidFill>
@@ -4596,7 +4833,7 @@
         <a:spcAft>
           <a:spcPts val="1000"/>
         </a:spcAft>
-        <a:buFont typeface="Arial" panose="020B0604020202020204" pitchFamily="34" charset="0"/>
+        <a:buFont typeface="Arial" panose="020B0604020202090204" pitchFamily="34" charset="0"/>
         <a:buChar char="•"/>
         <a:defRPr sz="1600" u="none" strike="noStrike" kern="1200" cap="none" spc="150" normalizeH="0" baseline="0">
           <a:solidFill>
@@ -4618,7 +4855,7 @@
         <a:spcAft>
           <a:spcPts val="1000"/>
         </a:spcAft>
-        <a:buFont typeface="Arial" panose="020B0604020202020204" pitchFamily="34" charset="0"/>
+        <a:buFont typeface="Arial" panose="020B0604020202090204" pitchFamily="34" charset="0"/>
         <a:buChar char="•"/>
         <a:tabLst>
           <a:tab pos="1609725" algn="l"/>
@@ -4643,7 +4880,7 @@
         <a:spcAft>
           <a:spcPts val="1000"/>
         </a:spcAft>
-        <a:buFont typeface="Arial" panose="020B0604020202020204" pitchFamily="34" charset="0"/>
+        <a:buFont typeface="Arial" panose="020B0604020202090204" pitchFamily="34" charset="0"/>
         <a:buChar char="•"/>
         <a:defRPr sz="1600" u="none" strike="noStrike" kern="1200" cap="none" spc="150" normalizeH="0" baseline="0">
           <a:solidFill>
@@ -4665,7 +4902,7 @@
         <a:spcAft>
           <a:spcPts val="1000"/>
         </a:spcAft>
-        <a:buFont typeface="Arial" panose="020B0604020202020204" pitchFamily="34" charset="0"/>
+        <a:buFont typeface="Arial" panose="020B0604020202090204" pitchFamily="34" charset="0"/>
         <a:buChar char="•"/>
         <a:defRPr sz="1600" u="none" strike="noStrike" kern="1200" cap="none" spc="150" normalizeH="0" baseline="0">
           <a:solidFill>
@@ -4687,7 +4924,7 @@
         <a:spcAft>
           <a:spcPts val="1000"/>
         </a:spcAft>
-        <a:buFont typeface="Arial" panose="020B0604020202020204" pitchFamily="34" charset="0"/>
+        <a:buFont typeface="Arial" panose="020B0604020202090204" pitchFamily="34" charset="0"/>
         <a:buChar char="•"/>
         <a:defRPr sz="1600" u="none" strike="noStrike" kern="1200" cap="none" spc="150" normalizeH="0" baseline="0">
           <a:solidFill>
@@ -4706,7 +4943,7 @@
         <a:spcBef>
           <a:spcPts val="500"/>
         </a:spcBef>
-        <a:buFont typeface="Arial" panose="020B0604020202020204" pitchFamily="34" charset="0"/>
+        <a:buFont typeface="Arial" panose="020B0604020202090204" pitchFamily="34" charset="0"/>
         <a:buChar char="•"/>
         <a:defRPr sz="1800" kern="1200">
           <a:solidFill>
@@ -4724,7 +4961,7 @@
         <a:spcBef>
           <a:spcPts val="500"/>
         </a:spcBef>
-        <a:buFont typeface="Arial" panose="020B0604020202020204" pitchFamily="34" charset="0"/>
+        <a:buFont typeface="Arial" panose="020B0604020202090204" pitchFamily="34" charset="0"/>
         <a:buChar char="•"/>
         <a:defRPr sz="1800" kern="1200">
           <a:solidFill>
@@ -4742,7 +4979,7 @@
         <a:spcBef>
           <a:spcPts val="500"/>
         </a:spcBef>
-        <a:buFont typeface="Arial" panose="020B0604020202020204" pitchFamily="34" charset="0"/>
+        <a:buFont typeface="Arial" panose="020B0604020202090204" pitchFamily="34" charset="0"/>
         <a:buChar char="•"/>
         <a:defRPr sz="1800" kern="1200">
           <a:solidFill>
@@ -4760,7 +4997,7 @@
         <a:spcBef>
           <a:spcPts val="500"/>
         </a:spcBef>
-        <a:buFont typeface="Arial" panose="020B0604020202020204" pitchFamily="34" charset="0"/>
+        <a:buFont typeface="Arial" panose="020B0604020202090204" pitchFamily="34" charset="0"/>
         <a:buChar char="•"/>
         <a:defRPr sz="1800" kern="1200">
           <a:solidFill>
@@ -4896,8 +5133,8 @@
         </p:nvSpPr>
         <p:spPr>
           <a:xfrm>
-            <a:off x="892810" y="1613535"/>
-            <a:ext cx="10406380" cy="3630930"/>
+            <a:off x="892810" y="996950"/>
+            <a:ext cx="10406380" cy="5400675"/>
           </a:xfrm>
           <a:prstGeom prst="rect">
             <a:avLst/>
@@ -4908,6 +5145,18 @@
           <a:bodyPr wrap="none" rtlCol="0">
             <a:spAutoFit/>
           </a:bodyPr>
+          <a:p>
+            <a:pPr algn="ctr"/>
+            <a:r>
+              <a:rPr lang="en-US" altLang="zh-CN" sz="11500"/>
+              <a:t>Python</a:t>
+            </a:r>
+            <a:r>
+              <a:rPr lang="zh-CN" altLang="en-US" sz="11500"/>
+              <a:t>实现</a:t>
+            </a:r>
+            <a:endParaRPr lang="zh-CN" altLang="en-US" sz="11500"/>
+          </a:p>
           <a:p>
             <a:pPr algn="ctr"/>
             <a:r>
@@ -5005,138 +5254,280 @@
             <a:noAutofit/>
           </a:bodyPr>
           <a:p>
-            <a:pPr marL="342900" indent="-342900">
+            <a:pPr indent="0">
               <a:lnSpc>
                 <a:spcPct val="150000"/>
               </a:lnSpc>
-              <a:buAutoNum type="arabicPeriod"/>
+              <a:buNone/>
             </a:pPr>
             <a:r>
-              <a:rPr lang="zh-CN" altLang="en-US" sz="2000"/>
+              <a:rPr lang="en-US" altLang="zh-CN" sz="2000">
+                <a:latin typeface="+mn-ea"/>
+                <a:cs typeface="+mn-ea"/>
+              </a:rPr>
+              <a:t>01. </a:t>
+            </a:r>
+            <a:r>
+              <a:rPr lang="zh-CN" altLang="en-US" sz="2000">
+                <a:latin typeface="+mn-ea"/>
+                <a:cs typeface="+mn-ea"/>
+              </a:rPr>
               <a:t>深度优先搜索</a:t>
             </a:r>
-            <a:endParaRPr lang="zh-CN" altLang="en-US" sz="2000"/>
-          </a:p>
-          <a:p>
-            <a:pPr marL="342900" indent="-342900">
+            <a:endParaRPr lang="zh-CN" altLang="en-US" sz="2000">
+              <a:latin typeface="+mn-ea"/>
+              <a:cs typeface="+mn-ea"/>
+            </a:endParaRPr>
+          </a:p>
+          <a:p>
+            <a:pPr indent="0">
               <a:lnSpc>
                 <a:spcPct val="150000"/>
               </a:lnSpc>
-              <a:buAutoNum type="arabicPeriod"/>
+              <a:buNone/>
             </a:pPr>
             <a:r>
-              <a:rPr lang="zh-CN" altLang="en-US" sz="2000"/>
+              <a:rPr lang="en-US" altLang="zh-CN" sz="2000">
+                <a:latin typeface="+mn-ea"/>
+                <a:cs typeface="+mn-ea"/>
+                <a:sym typeface="+mn-ea"/>
+              </a:rPr>
+              <a:t>02. </a:t>
+            </a:r>
+            <a:r>
+              <a:rPr lang="zh-CN" altLang="en-US" sz="2000">
+                <a:latin typeface="+mn-ea"/>
+                <a:cs typeface="+mn-ea"/>
+              </a:rPr>
               <a:t>广度优先搜索</a:t>
             </a:r>
-            <a:endParaRPr lang="zh-CN" altLang="en-US" sz="2000"/>
-          </a:p>
-          <a:p>
-            <a:pPr marL="342900" indent="-342900">
+            <a:endParaRPr lang="zh-CN" altLang="en-US" sz="2000">
+              <a:latin typeface="+mn-ea"/>
+              <a:cs typeface="+mn-ea"/>
+            </a:endParaRPr>
+          </a:p>
+          <a:p>
+            <a:pPr indent="0">
               <a:lnSpc>
                 <a:spcPct val="150000"/>
               </a:lnSpc>
-              <a:buAutoNum type="arabicPeriod"/>
+              <a:buNone/>
             </a:pPr>
             <a:r>
-              <a:rPr lang="zh-CN" altLang="en-US" sz="2000"/>
+              <a:rPr lang="en-US" altLang="zh-CN" sz="2000">
+                <a:latin typeface="+mn-ea"/>
+                <a:cs typeface="+mn-ea"/>
+                <a:sym typeface="+mn-ea"/>
+              </a:rPr>
+              <a:t>03. </a:t>
+            </a:r>
+            <a:r>
+              <a:rPr lang="zh-CN" altLang="en-US" sz="2000">
+                <a:latin typeface="+mn-ea"/>
+                <a:cs typeface="+mn-ea"/>
+              </a:rPr>
               <a:t>括号匹配</a:t>
             </a:r>
-            <a:endParaRPr lang="zh-CN" altLang="en-US" sz="2000"/>
-          </a:p>
-          <a:p>
-            <a:pPr marL="342900" indent="-342900">
+            <a:endParaRPr lang="zh-CN" altLang="en-US" sz="2000">
+              <a:latin typeface="+mn-ea"/>
+              <a:cs typeface="+mn-ea"/>
+            </a:endParaRPr>
+          </a:p>
+          <a:p>
+            <a:pPr indent="0">
               <a:lnSpc>
                 <a:spcPct val="150000"/>
               </a:lnSpc>
-              <a:buAutoNum type="arabicPeriod"/>
+              <a:buNone/>
             </a:pPr>
             <a:r>
-              <a:rPr lang="zh-CN" altLang="en-US" sz="2000"/>
+              <a:rPr lang="en-US" altLang="zh-CN" sz="2000">
+                <a:latin typeface="+mn-ea"/>
+                <a:cs typeface="+mn-ea"/>
+                <a:sym typeface="+mn-ea"/>
+              </a:rPr>
+              <a:t>04. </a:t>
+            </a:r>
+            <a:r>
+              <a:rPr lang="zh-CN" altLang="en-US" sz="2000">
+                <a:latin typeface="+mn-ea"/>
+                <a:cs typeface="+mn-ea"/>
+              </a:rPr>
               <a:t>哈希表的使用</a:t>
             </a:r>
-            <a:endParaRPr lang="zh-CN" altLang="en-US" sz="2000"/>
-          </a:p>
-          <a:p>
-            <a:pPr marL="342900" indent="-342900">
+            <a:endParaRPr lang="zh-CN" altLang="en-US" sz="2000">
+              <a:latin typeface="+mn-ea"/>
+              <a:cs typeface="+mn-ea"/>
+            </a:endParaRPr>
+          </a:p>
+          <a:p>
+            <a:pPr indent="0">
               <a:lnSpc>
                 <a:spcPct val="150000"/>
               </a:lnSpc>
-              <a:buAutoNum type="arabicPeriod"/>
+              <a:buNone/>
             </a:pPr>
             <a:r>
-              <a:rPr lang="zh-CN" altLang="en-US" sz="2000"/>
+              <a:rPr lang="en-US" altLang="zh-CN" sz="2000">
+                <a:latin typeface="+mn-ea"/>
+                <a:cs typeface="+mn-ea"/>
+                <a:sym typeface="+mn-ea"/>
+              </a:rPr>
+              <a:t>05. </a:t>
+            </a:r>
+            <a:r>
+              <a:rPr lang="zh-CN" altLang="en-US" sz="2000">
+                <a:latin typeface="+mn-ea"/>
+                <a:cs typeface="+mn-ea"/>
+              </a:rPr>
               <a:t>多指针操作</a:t>
             </a:r>
-            <a:endParaRPr lang="zh-CN" altLang="en-US" sz="2000"/>
-          </a:p>
-          <a:p>
-            <a:pPr marL="342900" indent="-342900">
+            <a:endParaRPr lang="zh-CN" altLang="en-US" sz="2000">
+              <a:latin typeface="+mn-ea"/>
+              <a:cs typeface="+mn-ea"/>
+            </a:endParaRPr>
+          </a:p>
+          <a:p>
+            <a:pPr indent="0">
               <a:lnSpc>
                 <a:spcPct val="150000"/>
               </a:lnSpc>
-              <a:buAutoNum type="arabicPeriod"/>
+              <a:buNone/>
             </a:pPr>
             <a:r>
-              <a:rPr lang="zh-CN" altLang="en-US" sz="2000"/>
+              <a:rPr lang="en-US" altLang="zh-CN" sz="2000">
+                <a:latin typeface="+mn-ea"/>
+                <a:cs typeface="+mn-ea"/>
+                <a:sym typeface="+mn-ea"/>
+              </a:rPr>
+              <a:t>06. </a:t>
+            </a:r>
+            <a:r>
+              <a:rPr lang="zh-CN" altLang="en-US" sz="2000">
+                <a:latin typeface="+mn-ea"/>
+                <a:cs typeface="+mn-ea"/>
+              </a:rPr>
               <a:t>链表反转</a:t>
             </a:r>
-            <a:endParaRPr lang="zh-CN" altLang="en-US" sz="2000"/>
-          </a:p>
-          <a:p>
-            <a:pPr marL="342900" indent="-342900">
+            <a:endParaRPr lang="zh-CN" altLang="en-US" sz="2000">
+              <a:latin typeface="+mn-ea"/>
+              <a:cs typeface="+mn-ea"/>
+            </a:endParaRPr>
+          </a:p>
+          <a:p>
+            <a:pPr indent="0">
               <a:lnSpc>
                 <a:spcPct val="150000"/>
               </a:lnSpc>
-              <a:buAutoNum type="arabicPeriod"/>
+              <a:buNone/>
             </a:pPr>
             <a:r>
-              <a:rPr lang="zh-CN" altLang="en-US" sz="2000"/>
+              <a:rPr lang="en-US" altLang="zh-CN" sz="2000">
+                <a:latin typeface="+mn-ea"/>
+                <a:cs typeface="+mn-ea"/>
+                <a:sym typeface="+mn-ea"/>
+              </a:rPr>
+              <a:t>07. </a:t>
+            </a:r>
+            <a:r>
+              <a:rPr lang="zh-CN" altLang="en-US" sz="2000">
+                <a:latin typeface="+mn-ea"/>
+                <a:cs typeface="+mn-ea"/>
+              </a:rPr>
               <a:t>基础排序算法</a:t>
             </a:r>
-            <a:endParaRPr lang="zh-CN" altLang="en-US" sz="2000"/>
-          </a:p>
-          <a:p>
-            <a:pPr marL="342900" indent="-342900">
+            <a:endParaRPr lang="zh-CN" altLang="en-US" sz="2000">
+              <a:latin typeface="+mn-ea"/>
+              <a:cs typeface="+mn-ea"/>
+            </a:endParaRPr>
+          </a:p>
+          <a:p>
+            <a:pPr indent="0">
               <a:lnSpc>
                 <a:spcPct val="150000"/>
               </a:lnSpc>
-              <a:buAutoNum type="arabicPeriod"/>
+              <a:buNone/>
             </a:pPr>
             <a:r>
-              <a:rPr lang="zh-CN" altLang="en-US" sz="2000"/>
+              <a:rPr lang="en-US" altLang="zh-CN" sz="2000">
+                <a:latin typeface="+mn-ea"/>
+                <a:cs typeface="+mn-ea"/>
+                <a:sym typeface="+mn-ea"/>
+              </a:rPr>
+              <a:t>08. </a:t>
+            </a:r>
+            <a:r>
+              <a:rPr lang="zh-CN" altLang="en-US" sz="2000">
+                <a:latin typeface="+mn-ea"/>
+                <a:cs typeface="+mn-ea"/>
+              </a:rPr>
               <a:t>递归</a:t>
             </a:r>
-            <a:endParaRPr lang="zh-CN" altLang="en-US" sz="2000"/>
-          </a:p>
-          <a:p>
-            <a:pPr marL="342900" indent="-342900">
+            <a:endParaRPr lang="zh-CN" altLang="en-US" sz="2000">
+              <a:latin typeface="+mn-ea"/>
+              <a:cs typeface="+mn-ea"/>
+            </a:endParaRPr>
+          </a:p>
+          <a:p>
+            <a:pPr indent="0">
               <a:lnSpc>
                 <a:spcPct val="150000"/>
               </a:lnSpc>
-              <a:buAutoNum type="arabicPeriod"/>
+              <a:buNone/>
             </a:pPr>
             <a:r>
-              <a:rPr lang="en-US" altLang="zh-CN" sz="2000"/>
+              <a:rPr lang="en-US" altLang="zh-CN" sz="2000">
+                <a:latin typeface="+mn-ea"/>
+                <a:cs typeface="+mn-ea"/>
+                <a:sym typeface="+mn-ea"/>
+              </a:rPr>
+              <a:t>09. </a:t>
+            </a:r>
+            <a:r>
+              <a:rPr lang="en-US" altLang="zh-CN" sz="2000">
+                <a:latin typeface="+mn-ea"/>
+                <a:cs typeface="+mn-ea"/>
+              </a:rPr>
               <a:t>LRU </a:t>
             </a:r>
             <a:r>
-              <a:rPr lang="zh-CN" altLang="zh-CN" sz="2000"/>
+              <a:rPr lang="zh-CN" altLang="zh-CN" sz="2000">
+                <a:latin typeface="+mn-ea"/>
+                <a:cs typeface="+mn-ea"/>
+              </a:rPr>
               <a:t>最近最少使用</a:t>
             </a:r>
-            <a:endParaRPr lang="zh-CN" altLang="zh-CN" sz="2000"/>
-          </a:p>
-          <a:p>
-            <a:pPr marL="342900" indent="-342900">
+            <a:endParaRPr lang="zh-CN" altLang="zh-CN" sz="2000">
+              <a:latin typeface="+mn-ea"/>
+              <a:cs typeface="+mn-ea"/>
+            </a:endParaRPr>
+          </a:p>
+          <a:p>
+            <a:pPr indent="0">
               <a:lnSpc>
                 <a:spcPct val="150000"/>
               </a:lnSpc>
-              <a:buAutoNum type="arabicPeriod"/>
+              <a:buNone/>
             </a:pPr>
             <a:r>
-              <a:rPr lang="zh-CN" altLang="zh-CN" sz="2000"/>
+              <a:rPr lang="en-US" altLang="zh-CN" sz="2000">
+                <a:latin typeface="+mn-ea"/>
+                <a:cs typeface="+mn-ea"/>
+                <a:sym typeface="+mn-ea"/>
+              </a:rPr>
+              <a:t>10. </a:t>
+            </a:r>
+            <a:r>
+              <a:rPr lang="zh-CN" altLang="zh-CN" sz="2000">
+                <a:latin typeface="+mn-ea"/>
+                <a:cs typeface="+mn-ea"/>
+              </a:rPr>
               <a:t>二分查找</a:t>
             </a:r>
-            <a:endParaRPr lang="zh-CN" altLang="zh-CN" sz="2000"/>
+            <a:endParaRPr lang="zh-CN" altLang="zh-CN" sz="2000">
+              <a:latin typeface="+mn-ea"/>
+              <a:cs typeface="+mn-ea"/>
+            </a:endParaRPr>
           </a:p>
         </p:txBody>
       </p:sp>
@@ -5148,8 +5539,8 @@
         </p:nvSpPr>
         <p:spPr>
           <a:xfrm>
-            <a:off x="5416550" y="3147060"/>
-            <a:ext cx="4297680" cy="1198880"/>
+            <a:off x="5462905" y="2552700"/>
+            <a:ext cx="5669280" cy="1753235"/>
           </a:xfrm>
           <a:prstGeom prst="rect">
             <a:avLst/>
@@ -5181,6 +5572,16 @@
             <a:r>
               <a:rPr lang="zh-CN" altLang="en-US"/>
               <a:t>遇到题目，应该往这些思想上靠拢和解决</a:t>
+            </a:r>
+            <a:endParaRPr lang="zh-CN" altLang="en-US"/>
+          </a:p>
+          <a:p>
+            <a:endParaRPr lang="zh-CN" altLang="en-US"/>
+          </a:p>
+          <a:p>
+            <a:r>
+              <a:rPr lang="zh-CN" altLang="en-US"/>
+              <a:t>学习就像游泳，看别人游得好没用，你得自己下水试试</a:t>
             </a:r>
             <a:endParaRPr lang="zh-CN" altLang="en-US"/>
           </a:p>
@@ -5216,16 +5617,46 @@
       </p:grpSpPr>
       <p:sp>
         <p:nvSpPr>
-          <p:cNvPr id="6" name="椭圆 5"/>
+          <p:cNvPr id="27" name="文本框 26"/>
+          <p:cNvSpPr txBox="1"/>
+          <p:nvPr/>
+        </p:nvSpPr>
+        <p:spPr>
+          <a:xfrm>
+            <a:off x="593725" y="388620"/>
+            <a:ext cx="3840480" cy="829945"/>
+          </a:xfrm>
+          <a:prstGeom prst="rect">
+            <a:avLst/>
+          </a:prstGeom>
+          <a:noFill/>
+        </p:spPr>
+        <p:txBody>
+          <a:bodyPr wrap="none" rtlCol="0">
+            <a:spAutoFit/>
+          </a:bodyPr>
+          <a:p>
+            <a:pPr algn="ctr"/>
+            <a:r>
+              <a:rPr lang="zh-CN" altLang="en-US" sz="4800"/>
+              <a:t>链表是否有环</a:t>
+            </a:r>
+            <a:endParaRPr lang="zh-CN" altLang="en-US" sz="4800"/>
+          </a:p>
+        </p:txBody>
+      </p:sp>
+      <p:sp>
+        <p:nvSpPr>
+          <p:cNvPr id="4" name="圆角矩形 3"/>
           <p:cNvSpPr/>
           <p:nvPr/>
         </p:nvSpPr>
         <p:spPr>
           <a:xfrm>
-            <a:off x="4656455" y="1560195"/>
-            <a:ext cx="344170" cy="344170"/>
-          </a:xfrm>
-          <a:prstGeom prst="ellipse">
+            <a:off x="1276350" y="2052320"/>
+            <a:ext cx="561340" cy="515620"/>
+          </a:xfrm>
+          <a:prstGeom prst="roundRect">
             <a:avLst/>
           </a:prstGeom>
         </p:spPr>
@@ -5259,16 +5690,16 @@
       </p:sp>
       <p:sp>
         <p:nvSpPr>
-          <p:cNvPr id="11" name="椭圆 10"/>
+          <p:cNvPr id="5" name="圆角矩形 4"/>
           <p:cNvSpPr/>
           <p:nvPr/>
         </p:nvSpPr>
         <p:spPr>
           <a:xfrm>
-            <a:off x="3990975" y="2267585"/>
-            <a:ext cx="344170" cy="344170"/>
-          </a:xfrm>
-          <a:prstGeom prst="ellipse">
+            <a:off x="2526665" y="2052320"/>
+            <a:ext cx="561340" cy="515620"/>
+          </a:xfrm>
+          <a:prstGeom prst="roundRect">
             <a:avLst/>
           </a:prstGeom>
         </p:spPr>
@@ -5302,16 +5733,16 @@
       </p:sp>
       <p:sp>
         <p:nvSpPr>
-          <p:cNvPr id="12" name="椭圆 11"/>
+          <p:cNvPr id="6" name="圆角矩形 5"/>
           <p:cNvSpPr/>
           <p:nvPr/>
         </p:nvSpPr>
         <p:spPr>
           <a:xfrm>
-            <a:off x="5344795" y="2267585"/>
-            <a:ext cx="344170" cy="344170"/>
-          </a:xfrm>
-          <a:prstGeom prst="ellipse">
+            <a:off x="3804285" y="2052320"/>
+            <a:ext cx="561340" cy="515620"/>
+          </a:xfrm>
+          <a:prstGeom prst="roundRect">
             <a:avLst/>
           </a:prstGeom>
         </p:spPr>
@@ -5343,277 +5774,19 @@
           </a:p>
         </p:txBody>
       </p:sp>
-      <p:sp>
-        <p:nvSpPr>
-          <p:cNvPr id="13" name="椭圆 12"/>
-          <p:cNvSpPr/>
-          <p:nvPr/>
-        </p:nvSpPr>
-        <p:spPr>
-          <a:xfrm>
-            <a:off x="3569970" y="2876550"/>
-            <a:ext cx="344170" cy="344170"/>
-          </a:xfrm>
-          <a:prstGeom prst="ellipse">
-            <a:avLst/>
-          </a:prstGeom>
-        </p:spPr>
-        <p:style>
-          <a:lnRef idx="2">
-            <a:schemeClr val="accent1">
-              <a:shade val="50000"/>
-            </a:schemeClr>
-          </a:lnRef>
-          <a:fillRef idx="1">
-            <a:schemeClr val="accent1"/>
-          </a:fillRef>
-          <a:effectRef idx="0">
-            <a:schemeClr val="accent1"/>
-          </a:effectRef>
-          <a:fontRef idx="minor">
-            <a:schemeClr val="lt1"/>
-          </a:fontRef>
-        </p:style>
-        <p:txBody>
-          <a:bodyPr rtlCol="0" anchor="ctr"/>
-          <a:p>
-            <a:pPr algn="ctr"/>
-            <a:r>
-              <a:rPr lang="en-US" altLang="zh-CN"/>
-              <a:t>4</a:t>
-            </a:r>
-            <a:endParaRPr lang="en-US" altLang="zh-CN"/>
-          </a:p>
-        </p:txBody>
-      </p:sp>
-      <p:sp>
-        <p:nvSpPr>
-          <p:cNvPr id="14" name="椭圆 13"/>
-          <p:cNvSpPr/>
-          <p:nvPr/>
-        </p:nvSpPr>
-        <p:spPr>
-          <a:xfrm>
-            <a:off x="4392295" y="2876550"/>
-            <a:ext cx="344170" cy="344170"/>
-          </a:xfrm>
-          <a:prstGeom prst="ellipse">
-            <a:avLst/>
-          </a:prstGeom>
-        </p:spPr>
-        <p:style>
-          <a:lnRef idx="2">
-            <a:schemeClr val="accent1">
-              <a:shade val="50000"/>
-            </a:schemeClr>
-          </a:lnRef>
-          <a:fillRef idx="1">
-            <a:schemeClr val="accent1"/>
-          </a:fillRef>
-          <a:effectRef idx="0">
-            <a:schemeClr val="accent1"/>
-          </a:effectRef>
-          <a:fontRef idx="minor">
-            <a:schemeClr val="lt1"/>
-          </a:fontRef>
-        </p:style>
-        <p:txBody>
-          <a:bodyPr rtlCol="0" anchor="ctr"/>
-          <a:p>
-            <a:pPr algn="ctr"/>
-            <a:r>
-              <a:rPr lang="en-US" altLang="zh-CN"/>
-              <a:t>5</a:t>
-            </a:r>
-            <a:endParaRPr lang="en-US" altLang="zh-CN"/>
-          </a:p>
-        </p:txBody>
-      </p:sp>
-      <p:sp>
-        <p:nvSpPr>
-          <p:cNvPr id="15" name="椭圆 14"/>
-          <p:cNvSpPr/>
-          <p:nvPr/>
-        </p:nvSpPr>
-        <p:spPr>
-          <a:xfrm>
-            <a:off x="5000625" y="2876550"/>
-            <a:ext cx="344170" cy="344170"/>
-          </a:xfrm>
-          <a:prstGeom prst="ellipse">
-            <a:avLst/>
-          </a:prstGeom>
-        </p:spPr>
-        <p:style>
-          <a:lnRef idx="2">
-            <a:schemeClr val="accent1">
-              <a:shade val="50000"/>
-            </a:schemeClr>
-          </a:lnRef>
-          <a:fillRef idx="1">
-            <a:schemeClr val="accent1"/>
-          </a:fillRef>
-          <a:effectRef idx="0">
-            <a:schemeClr val="accent1"/>
-          </a:effectRef>
-          <a:fontRef idx="minor">
-            <a:schemeClr val="lt1"/>
-          </a:fontRef>
-        </p:style>
-        <p:txBody>
-          <a:bodyPr rtlCol="0" anchor="ctr"/>
-          <a:p>
-            <a:pPr algn="ctr"/>
-            <a:r>
-              <a:rPr lang="en-US" altLang="zh-CN"/>
-              <a:t>6</a:t>
-            </a:r>
-            <a:endParaRPr lang="en-US" altLang="zh-CN"/>
-          </a:p>
-        </p:txBody>
-      </p:sp>
-      <p:sp>
-        <p:nvSpPr>
-          <p:cNvPr id="16" name="椭圆 15"/>
-          <p:cNvSpPr/>
-          <p:nvPr/>
-        </p:nvSpPr>
-        <p:spPr>
-          <a:xfrm>
-            <a:off x="5716270" y="2876550"/>
-            <a:ext cx="344170" cy="344170"/>
-          </a:xfrm>
-          <a:prstGeom prst="ellipse">
-            <a:avLst/>
-          </a:prstGeom>
-        </p:spPr>
-        <p:style>
-          <a:lnRef idx="2">
-            <a:schemeClr val="accent1">
-              <a:shade val="50000"/>
-            </a:schemeClr>
-          </a:lnRef>
-          <a:fillRef idx="1">
-            <a:schemeClr val="accent1"/>
-          </a:fillRef>
-          <a:effectRef idx="0">
-            <a:schemeClr val="accent1"/>
-          </a:effectRef>
-          <a:fontRef idx="minor">
-            <a:schemeClr val="lt1"/>
-          </a:fontRef>
-        </p:style>
-        <p:txBody>
-          <a:bodyPr rtlCol="0" anchor="ctr"/>
-          <a:p>
-            <a:pPr algn="ctr"/>
-            <a:r>
-              <a:rPr lang="en-US" altLang="zh-CN"/>
-              <a:t>7</a:t>
-            </a:r>
-            <a:endParaRPr lang="en-US" altLang="zh-CN"/>
-          </a:p>
-        </p:txBody>
-      </p:sp>
-      <p:sp>
-        <p:nvSpPr>
-          <p:cNvPr id="17" name="椭圆 16"/>
-          <p:cNvSpPr/>
-          <p:nvPr/>
-        </p:nvSpPr>
-        <p:spPr>
-          <a:xfrm>
-            <a:off x="3225800" y="3510280"/>
-            <a:ext cx="344170" cy="344170"/>
-          </a:xfrm>
-          <a:prstGeom prst="ellipse">
-            <a:avLst/>
-          </a:prstGeom>
-        </p:spPr>
-        <p:style>
-          <a:lnRef idx="2">
-            <a:schemeClr val="accent1">
-              <a:shade val="50000"/>
-            </a:schemeClr>
-          </a:lnRef>
-          <a:fillRef idx="1">
-            <a:schemeClr val="accent1"/>
-          </a:fillRef>
-          <a:effectRef idx="0">
-            <a:schemeClr val="accent1"/>
-          </a:effectRef>
-          <a:fontRef idx="minor">
-            <a:schemeClr val="lt1"/>
-          </a:fontRef>
-        </p:style>
-        <p:txBody>
-          <a:bodyPr rtlCol="0" anchor="ctr"/>
-          <a:p>
-            <a:pPr algn="ctr"/>
-            <a:r>
-              <a:rPr lang="en-US" altLang="zh-CN"/>
-              <a:t>8</a:t>
-            </a:r>
-            <a:endParaRPr lang="en-US" altLang="zh-CN"/>
-          </a:p>
-        </p:txBody>
-      </p:sp>
-      <p:sp>
-        <p:nvSpPr>
-          <p:cNvPr id="18" name="椭圆 17"/>
-          <p:cNvSpPr/>
-          <p:nvPr/>
-        </p:nvSpPr>
-        <p:spPr>
-          <a:xfrm>
-            <a:off x="3914140" y="3510280"/>
-            <a:ext cx="344170" cy="344170"/>
-          </a:xfrm>
-          <a:prstGeom prst="ellipse">
-            <a:avLst/>
-          </a:prstGeom>
-        </p:spPr>
-        <p:style>
-          <a:lnRef idx="2">
-            <a:schemeClr val="accent1">
-              <a:shade val="50000"/>
-            </a:schemeClr>
-          </a:lnRef>
-          <a:fillRef idx="1">
-            <a:schemeClr val="accent1"/>
-          </a:fillRef>
-          <a:effectRef idx="0">
-            <a:schemeClr val="accent1"/>
-          </a:effectRef>
-          <a:fontRef idx="minor">
-            <a:schemeClr val="lt1"/>
-          </a:fontRef>
-        </p:style>
-        <p:txBody>
-          <a:bodyPr rtlCol="0" anchor="ctr"/>
-          <a:p>
-            <a:pPr algn="ctr"/>
-            <a:r>
-              <a:rPr lang="en-US" altLang="zh-CN"/>
-              <a:t>9</a:t>
-            </a:r>
-            <a:endParaRPr lang="en-US" altLang="zh-CN"/>
-          </a:p>
-        </p:txBody>
-      </p:sp>
       <p:cxnSp>
         <p:nvCxnSpPr>
-          <p:cNvPr id="19" name="直接箭头连接符 18"/>
+          <p:cNvPr id="7" name="直接箭头连接符 6"/>
           <p:cNvCxnSpPr>
-            <a:stCxn id="6" idx="3"/>
-            <a:endCxn id="11" idx="7"/>
+            <a:stCxn id="4" idx="3"/>
+            <a:endCxn id="5" idx="1"/>
           </p:cNvCxnSpPr>
           <p:nvPr/>
         </p:nvCxnSpPr>
         <p:spPr>
-          <a:xfrm flipH="1">
-            <a:off x="4284980" y="1854200"/>
-            <a:ext cx="421640" cy="463550"/>
+          <a:xfrm>
+            <a:off x="1837690" y="2310130"/>
+            <a:ext cx="688975" cy="0"/>
           </a:xfrm>
           <a:prstGeom prst="straightConnector1">
             <a:avLst/>
@@ -5639,17 +5812,328 @@
       </p:cxnSp>
       <p:cxnSp>
         <p:nvCxnSpPr>
-          <p:cNvPr id="20" name="直接箭头连接符 19"/>
+          <p:cNvPr id="8" name="直接箭头连接符 7"/>
           <p:cNvCxnSpPr>
-            <a:stCxn id="6" idx="5"/>
-            <a:endCxn id="12" idx="1"/>
+            <a:stCxn id="5" idx="3"/>
+            <a:endCxn id="6" idx="1"/>
           </p:cNvCxnSpPr>
           <p:nvPr/>
         </p:nvCxnSpPr>
         <p:spPr>
           <a:xfrm>
-            <a:off x="4950460" y="1854200"/>
-            <a:ext cx="444500" cy="463550"/>
+            <a:off x="3088005" y="2310130"/>
+            <a:ext cx="716280" cy="0"/>
+          </a:xfrm>
+          <a:prstGeom prst="straightConnector1">
+            <a:avLst/>
+          </a:prstGeom>
+          <a:ln>
+            <a:tailEnd type="arrow"/>
+          </a:ln>
+        </p:spPr>
+        <p:style>
+          <a:lnRef idx="1">
+            <a:schemeClr val="accent1"/>
+          </a:lnRef>
+          <a:fillRef idx="0">
+            <a:schemeClr val="accent1"/>
+          </a:fillRef>
+          <a:effectRef idx="0">
+            <a:schemeClr val="accent1"/>
+          </a:effectRef>
+          <a:fontRef idx="minor">
+            <a:schemeClr val="tx1"/>
+          </a:fontRef>
+        </p:style>
+      </p:cxnSp>
+      <p:sp>
+        <p:nvSpPr>
+          <p:cNvPr id="9" name="文本框 8"/>
+          <p:cNvSpPr txBox="1"/>
+          <p:nvPr/>
+        </p:nvSpPr>
+        <p:spPr>
+          <a:xfrm>
+            <a:off x="1286510" y="2844165"/>
+            <a:ext cx="551180" cy="368300"/>
+          </a:xfrm>
+          <a:prstGeom prst="rect">
+            <a:avLst/>
+          </a:prstGeom>
+          <a:noFill/>
+        </p:spPr>
+        <p:txBody>
+          <a:bodyPr wrap="none" rtlCol="0">
+            <a:spAutoFit/>
+          </a:bodyPr>
+          <a:p>
+            <a:r>
+              <a:rPr lang="en-US" altLang="zh-CN"/>
+              <a:t>fast</a:t>
+            </a:r>
+            <a:endParaRPr lang="en-US" altLang="zh-CN"/>
+          </a:p>
+        </p:txBody>
+      </p:sp>
+      <p:sp>
+        <p:nvSpPr>
+          <p:cNvPr id="10" name="文本框 9"/>
+          <p:cNvSpPr txBox="1"/>
+          <p:nvPr/>
+        </p:nvSpPr>
+        <p:spPr>
+          <a:xfrm>
+            <a:off x="2536825" y="2844165"/>
+            <a:ext cx="525780" cy="368300"/>
+          </a:xfrm>
+          <a:prstGeom prst="rect">
+            <a:avLst/>
+          </a:prstGeom>
+          <a:noFill/>
+        </p:spPr>
+        <p:txBody>
+          <a:bodyPr wrap="none" rtlCol="0">
+            <a:spAutoFit/>
+          </a:bodyPr>
+          <a:p>
+            <a:r>
+              <a:rPr lang="en-US" altLang="zh-CN"/>
+              <a:t>low</a:t>
+            </a:r>
+            <a:endParaRPr lang="en-US" altLang="zh-CN"/>
+          </a:p>
+        </p:txBody>
+      </p:sp>
+      <p:sp>
+        <p:nvSpPr>
+          <p:cNvPr id="11" name="文本框 10"/>
+          <p:cNvSpPr txBox="1"/>
+          <p:nvPr/>
+        </p:nvSpPr>
+        <p:spPr>
+          <a:xfrm>
+            <a:off x="5860415" y="1987550"/>
+            <a:ext cx="4119880" cy="645160"/>
+          </a:xfrm>
+          <a:prstGeom prst="rect">
+            <a:avLst/>
+          </a:prstGeom>
+          <a:noFill/>
+        </p:spPr>
+        <p:txBody>
+          <a:bodyPr wrap="none" rtlCol="0">
+            <a:spAutoFit/>
+          </a:bodyPr>
+          <a:p>
+            <a:r>
+              <a:rPr lang="zh-CN" altLang="en-US" b="1">
+                <a:solidFill>
+                  <a:srgbClr val="FF0000"/>
+                </a:solidFill>
+              </a:rPr>
+              <a:t>情况</a:t>
+            </a:r>
+            <a:r>
+              <a:rPr lang="en-US" altLang="zh-CN" b="1">
+                <a:solidFill>
+                  <a:srgbClr val="FF0000"/>
+                </a:solidFill>
+              </a:rPr>
+              <a:t>1-</a:t>
+            </a:r>
+            <a:r>
+              <a:rPr lang="zh-CN" altLang="en-US" b="1">
+                <a:solidFill>
+                  <a:srgbClr val="FF0000"/>
+                </a:solidFill>
+              </a:rPr>
+              <a:t>状态：</a:t>
+            </a:r>
+            <a:endParaRPr lang="zh-CN" altLang="en-US"/>
+          </a:p>
+          <a:p>
+            <a:r>
+              <a:rPr lang="zh-CN" altLang="en-US"/>
+              <a:t>接下来</a:t>
+            </a:r>
+            <a:r>
+              <a:rPr lang="en-US" altLang="zh-CN"/>
+              <a:t>fast</a:t>
+            </a:r>
+            <a:r>
+              <a:rPr lang="zh-CN" altLang="en-US"/>
+              <a:t>走</a:t>
+            </a:r>
+            <a:r>
+              <a:rPr lang="en-US" altLang="zh-CN"/>
+              <a:t>2</a:t>
+            </a:r>
+            <a:r>
+              <a:rPr lang="zh-CN" altLang="en-US"/>
+              <a:t>步，</a:t>
+            </a:r>
+            <a:r>
+              <a:rPr lang="en-US" altLang="zh-CN"/>
+              <a:t>low</a:t>
+            </a:r>
+            <a:r>
+              <a:rPr lang="zh-CN" altLang="en-US"/>
+              <a:t>走</a:t>
+            </a:r>
+            <a:r>
+              <a:rPr lang="en-US" altLang="zh-CN"/>
+              <a:t>1</a:t>
+            </a:r>
+            <a:r>
+              <a:rPr lang="zh-CN" altLang="en-US"/>
+              <a:t>步，刚好遇到</a:t>
+            </a:r>
+            <a:endParaRPr lang="zh-CN" altLang="en-US"/>
+          </a:p>
+        </p:txBody>
+      </p:sp>
+      <p:sp>
+        <p:nvSpPr>
+          <p:cNvPr id="12" name="圆角矩形 11"/>
+          <p:cNvSpPr/>
+          <p:nvPr/>
+        </p:nvSpPr>
+        <p:spPr>
+          <a:xfrm>
+            <a:off x="1276350" y="3688715"/>
+            <a:ext cx="561340" cy="515620"/>
+          </a:xfrm>
+          <a:prstGeom prst="roundRect">
+            <a:avLst/>
+          </a:prstGeom>
+        </p:spPr>
+        <p:style>
+          <a:lnRef idx="2">
+            <a:schemeClr val="accent1">
+              <a:shade val="50000"/>
+            </a:schemeClr>
+          </a:lnRef>
+          <a:fillRef idx="1">
+            <a:schemeClr val="accent1"/>
+          </a:fillRef>
+          <a:effectRef idx="0">
+            <a:schemeClr val="accent1"/>
+          </a:effectRef>
+          <a:fontRef idx="minor">
+            <a:schemeClr val="lt1"/>
+          </a:fontRef>
+        </p:style>
+        <p:txBody>
+          <a:bodyPr rtlCol="0" anchor="ctr"/>
+          <a:p>
+            <a:pPr algn="ctr"/>
+            <a:r>
+              <a:rPr lang="en-US" altLang="zh-CN"/>
+              <a:t>1</a:t>
+            </a:r>
+            <a:endParaRPr lang="en-US" altLang="zh-CN"/>
+          </a:p>
+        </p:txBody>
+      </p:sp>
+      <p:sp>
+        <p:nvSpPr>
+          <p:cNvPr id="13" name="圆角矩形 12"/>
+          <p:cNvSpPr/>
+          <p:nvPr/>
+        </p:nvSpPr>
+        <p:spPr>
+          <a:xfrm>
+            <a:off x="2526665" y="3688715"/>
+            <a:ext cx="561340" cy="515620"/>
+          </a:xfrm>
+          <a:prstGeom prst="roundRect">
+            <a:avLst/>
+          </a:prstGeom>
+        </p:spPr>
+        <p:style>
+          <a:lnRef idx="2">
+            <a:schemeClr val="accent1">
+              <a:shade val="50000"/>
+            </a:schemeClr>
+          </a:lnRef>
+          <a:fillRef idx="1">
+            <a:schemeClr val="accent1"/>
+          </a:fillRef>
+          <a:effectRef idx="0">
+            <a:schemeClr val="accent1"/>
+          </a:effectRef>
+          <a:fontRef idx="minor">
+            <a:schemeClr val="lt1"/>
+          </a:fontRef>
+        </p:style>
+        <p:txBody>
+          <a:bodyPr rtlCol="0" anchor="ctr"/>
+          <a:p>
+            <a:pPr algn="ctr"/>
+            <a:r>
+              <a:rPr lang="en-US" altLang="zh-CN"/>
+              <a:t>2</a:t>
+            </a:r>
+            <a:endParaRPr lang="en-US" altLang="zh-CN"/>
+          </a:p>
+        </p:txBody>
+      </p:sp>
+      <p:sp>
+        <p:nvSpPr>
+          <p:cNvPr id="14" name="圆角矩形 13"/>
+          <p:cNvSpPr/>
+          <p:nvPr/>
+        </p:nvSpPr>
+        <p:spPr>
+          <a:xfrm>
+            <a:off x="3804285" y="3688715"/>
+            <a:ext cx="561340" cy="515620"/>
+          </a:xfrm>
+          <a:prstGeom prst="roundRect">
+            <a:avLst/>
+          </a:prstGeom>
+        </p:spPr>
+        <p:style>
+          <a:lnRef idx="2">
+            <a:schemeClr val="accent1">
+              <a:shade val="50000"/>
+            </a:schemeClr>
+          </a:lnRef>
+          <a:fillRef idx="1">
+            <a:schemeClr val="accent1"/>
+          </a:fillRef>
+          <a:effectRef idx="0">
+            <a:schemeClr val="accent1"/>
+          </a:effectRef>
+          <a:fontRef idx="minor">
+            <a:schemeClr val="lt1"/>
+          </a:fontRef>
+        </p:style>
+        <p:txBody>
+          <a:bodyPr rtlCol="0" anchor="ctr"/>
+          <a:p>
+            <a:pPr algn="ctr"/>
+            <a:r>
+              <a:rPr lang="en-US" altLang="zh-CN"/>
+              <a:t>3</a:t>
+            </a:r>
+            <a:endParaRPr lang="en-US" altLang="zh-CN"/>
+          </a:p>
+        </p:txBody>
+      </p:sp>
+      <p:cxnSp>
+        <p:nvCxnSpPr>
+          <p:cNvPr id="15" name="直接箭头连接符 14"/>
+          <p:cNvCxnSpPr>
+            <a:stCxn id="12" idx="3"/>
+            <a:endCxn id="13" idx="1"/>
+          </p:cNvCxnSpPr>
+          <p:nvPr/>
+        </p:nvCxnSpPr>
+        <p:spPr>
+          <a:xfrm>
+            <a:off x="1837690" y="3946525"/>
+            <a:ext cx="688975" cy="0"/>
           </a:xfrm>
           <a:prstGeom prst="straightConnector1">
             <a:avLst/>
@@ -5675,17 +6159,17 @@
       </p:cxnSp>
       <p:cxnSp>
         <p:nvCxnSpPr>
-          <p:cNvPr id="21" name="直接箭头连接符 20"/>
+          <p:cNvPr id="16" name="直接箭头连接符 15"/>
           <p:cNvCxnSpPr>
-            <a:stCxn id="11" idx="3"/>
-            <a:endCxn id="13" idx="0"/>
+            <a:stCxn id="13" idx="3"/>
+            <a:endCxn id="14" idx="1"/>
           </p:cNvCxnSpPr>
           <p:nvPr/>
         </p:nvCxnSpPr>
         <p:spPr>
-          <a:xfrm flipH="1">
-            <a:off x="3742055" y="2561590"/>
-            <a:ext cx="299085" cy="314960"/>
+          <a:xfrm>
+            <a:off x="3088005" y="3946525"/>
+            <a:ext cx="716280" cy="0"/>
           </a:xfrm>
           <a:prstGeom prst="straightConnector1">
             <a:avLst/>
@@ -5709,19 +6193,263 @@
           </a:fontRef>
         </p:style>
       </p:cxnSp>
+      <p:sp>
+        <p:nvSpPr>
+          <p:cNvPr id="17" name="文本框 16"/>
+          <p:cNvSpPr txBox="1"/>
+          <p:nvPr/>
+        </p:nvSpPr>
+        <p:spPr>
+          <a:xfrm>
+            <a:off x="1286510" y="4480560"/>
+            <a:ext cx="551180" cy="368300"/>
+          </a:xfrm>
+          <a:prstGeom prst="rect">
+            <a:avLst/>
+          </a:prstGeom>
+          <a:noFill/>
+        </p:spPr>
+        <p:txBody>
+          <a:bodyPr wrap="none" rtlCol="0">
+            <a:spAutoFit/>
+          </a:bodyPr>
+          <a:p>
+            <a:r>
+              <a:rPr lang="en-US" altLang="zh-CN"/>
+              <a:t>fast</a:t>
+            </a:r>
+            <a:endParaRPr lang="en-US" altLang="zh-CN"/>
+          </a:p>
+        </p:txBody>
+      </p:sp>
+      <p:sp>
+        <p:nvSpPr>
+          <p:cNvPr id="18" name="文本框 17"/>
+          <p:cNvSpPr txBox="1"/>
+          <p:nvPr/>
+        </p:nvSpPr>
+        <p:spPr>
+          <a:xfrm>
+            <a:off x="3804285" y="4480560"/>
+            <a:ext cx="525780" cy="368300"/>
+          </a:xfrm>
+          <a:prstGeom prst="rect">
+            <a:avLst/>
+          </a:prstGeom>
+          <a:noFill/>
+        </p:spPr>
+        <p:txBody>
+          <a:bodyPr wrap="none" rtlCol="0">
+            <a:spAutoFit/>
+          </a:bodyPr>
+          <a:p>
+            <a:r>
+              <a:rPr lang="en-US" altLang="zh-CN"/>
+              <a:t>low</a:t>
+            </a:r>
+            <a:endParaRPr lang="en-US" altLang="zh-CN"/>
+          </a:p>
+        </p:txBody>
+      </p:sp>
+      <p:sp>
+        <p:nvSpPr>
+          <p:cNvPr id="19" name="文本框 18"/>
+          <p:cNvSpPr txBox="1"/>
+          <p:nvPr/>
+        </p:nvSpPr>
+        <p:spPr>
+          <a:xfrm>
+            <a:off x="5860415" y="3623945"/>
+            <a:ext cx="4246880" cy="645160"/>
+          </a:xfrm>
+          <a:prstGeom prst="rect">
+            <a:avLst/>
+          </a:prstGeom>
+          <a:noFill/>
+        </p:spPr>
+        <p:txBody>
+          <a:bodyPr wrap="none" rtlCol="0">
+            <a:spAutoFit/>
+          </a:bodyPr>
+          <a:p>
+            <a:r>
+              <a:rPr lang="zh-CN" altLang="en-US" b="1">
+                <a:solidFill>
+                  <a:srgbClr val="FF0000"/>
+                </a:solidFill>
+              </a:rPr>
+              <a:t>情况</a:t>
+            </a:r>
+            <a:r>
+              <a:rPr lang="en-US" altLang="zh-CN" b="1">
+                <a:solidFill>
+                  <a:srgbClr val="FF0000"/>
+                </a:solidFill>
+              </a:rPr>
+              <a:t>2</a:t>
+            </a:r>
+            <a:r>
+              <a:rPr lang="en-US" altLang="zh-CN" b="1">
+                <a:solidFill>
+                  <a:srgbClr val="FF0000"/>
+                </a:solidFill>
+              </a:rPr>
+              <a:t>-</a:t>
+            </a:r>
+            <a:r>
+              <a:rPr lang="zh-CN" altLang="en-US" b="1">
+                <a:solidFill>
+                  <a:srgbClr val="FF0000"/>
+                </a:solidFill>
+              </a:rPr>
+              <a:t>状态：</a:t>
+            </a:r>
+            <a:endParaRPr lang="zh-CN" altLang="en-US"/>
+          </a:p>
+          <a:p>
+            <a:r>
+              <a:rPr lang="zh-CN" altLang="en-US"/>
+              <a:t>接下来</a:t>
+            </a:r>
+            <a:r>
+              <a:rPr lang="en-US" altLang="zh-CN"/>
+              <a:t>fast</a:t>
+            </a:r>
+            <a:r>
+              <a:rPr lang="zh-CN" altLang="en-US"/>
+              <a:t>走</a:t>
+            </a:r>
+            <a:r>
+              <a:rPr lang="en-US" altLang="zh-CN"/>
+              <a:t>2</a:t>
+            </a:r>
+            <a:r>
+              <a:rPr lang="zh-CN" altLang="en-US"/>
+              <a:t>步，</a:t>
+            </a:r>
+            <a:r>
+              <a:rPr lang="en-US" altLang="zh-CN"/>
+              <a:t>low</a:t>
+            </a:r>
+            <a:r>
+              <a:rPr lang="zh-CN" altLang="en-US"/>
+              <a:t>走</a:t>
+            </a:r>
+            <a:r>
+              <a:rPr lang="en-US" altLang="zh-CN"/>
+              <a:t>1</a:t>
+            </a:r>
+            <a:r>
+              <a:rPr lang="zh-CN" altLang="en-US"/>
+              <a:t>步，变成情况</a:t>
+            </a:r>
+            <a:r>
+              <a:rPr lang="en-US" altLang="zh-CN"/>
+              <a:t>1</a:t>
+            </a:r>
+            <a:endParaRPr lang="en-US" altLang="zh-CN"/>
+          </a:p>
+        </p:txBody>
+      </p:sp>
+      <p:sp>
+        <p:nvSpPr>
+          <p:cNvPr id="20" name="圆角矩形 19"/>
+          <p:cNvSpPr/>
+          <p:nvPr/>
+        </p:nvSpPr>
+        <p:spPr>
+          <a:xfrm>
+            <a:off x="4888865" y="2052320"/>
+            <a:ext cx="561340" cy="515620"/>
+          </a:xfrm>
+          <a:prstGeom prst="roundRect">
+            <a:avLst/>
+          </a:prstGeom>
+        </p:spPr>
+        <p:style>
+          <a:lnRef idx="2">
+            <a:schemeClr val="accent1">
+              <a:shade val="50000"/>
+            </a:schemeClr>
+          </a:lnRef>
+          <a:fillRef idx="1">
+            <a:schemeClr val="accent1"/>
+          </a:fillRef>
+          <a:effectRef idx="0">
+            <a:schemeClr val="accent1"/>
+          </a:effectRef>
+          <a:fontRef idx="minor">
+            <a:schemeClr val="lt1"/>
+          </a:fontRef>
+        </p:style>
+        <p:txBody>
+          <a:bodyPr rtlCol="0" anchor="ctr"/>
+          <a:p>
+            <a:pPr algn="ctr"/>
+            <a:r>
+              <a:rPr lang="en-US" altLang="zh-CN"/>
+              <a:t>4</a:t>
+            </a:r>
+            <a:endParaRPr lang="en-US" altLang="zh-CN"/>
+          </a:p>
+        </p:txBody>
+      </p:sp>
+      <p:sp>
+        <p:nvSpPr>
+          <p:cNvPr id="21" name="圆角矩形 20"/>
+          <p:cNvSpPr/>
+          <p:nvPr/>
+        </p:nvSpPr>
+        <p:spPr>
+          <a:xfrm>
+            <a:off x="4888865" y="3688715"/>
+            <a:ext cx="561340" cy="515620"/>
+          </a:xfrm>
+          <a:prstGeom prst="roundRect">
+            <a:avLst/>
+          </a:prstGeom>
+        </p:spPr>
+        <p:style>
+          <a:lnRef idx="2">
+            <a:schemeClr val="accent1">
+              <a:shade val="50000"/>
+            </a:schemeClr>
+          </a:lnRef>
+          <a:fillRef idx="1">
+            <a:schemeClr val="accent1"/>
+          </a:fillRef>
+          <a:effectRef idx="0">
+            <a:schemeClr val="accent1"/>
+          </a:effectRef>
+          <a:fontRef idx="minor">
+            <a:schemeClr val="lt1"/>
+          </a:fontRef>
+        </p:style>
+        <p:txBody>
+          <a:bodyPr rtlCol="0" anchor="ctr"/>
+          <a:p>
+            <a:pPr algn="ctr"/>
+            <a:r>
+              <a:rPr lang="en-US" altLang="zh-CN"/>
+              <a:t>4</a:t>
+            </a:r>
+            <a:endParaRPr lang="en-US" altLang="zh-CN"/>
+          </a:p>
+        </p:txBody>
+      </p:sp>
       <p:cxnSp>
         <p:nvCxnSpPr>
           <p:cNvPr id="22" name="直接箭头连接符 21"/>
           <p:cNvCxnSpPr>
-            <a:stCxn id="11" idx="5"/>
-            <a:endCxn id="14" idx="0"/>
+            <a:stCxn id="6" idx="3"/>
+            <a:endCxn id="20" idx="1"/>
           </p:cNvCxnSpPr>
           <p:nvPr/>
         </p:nvCxnSpPr>
         <p:spPr>
           <a:xfrm>
-            <a:off x="4284980" y="2561590"/>
-            <a:ext cx="279400" cy="314960"/>
+            <a:off x="4365625" y="2310130"/>
+            <a:ext cx="523240" cy="0"/>
           </a:xfrm>
           <a:prstGeom prst="straightConnector1">
             <a:avLst/>
@@ -5749,15 +6477,360 @@
         <p:nvCxnSpPr>
           <p:cNvPr id="23" name="直接箭头连接符 22"/>
           <p:cNvCxnSpPr>
-            <a:stCxn id="12" idx="3"/>
-            <a:endCxn id="15" idx="0"/>
+            <a:stCxn id="14" idx="3"/>
+            <a:endCxn id="21" idx="1"/>
           </p:cNvCxnSpPr>
           <p:nvPr/>
         </p:nvCxnSpPr>
         <p:spPr>
-          <a:xfrm flipH="1">
-            <a:off x="5172710" y="2561590"/>
-            <a:ext cx="222250" cy="314960"/>
+          <a:xfrm>
+            <a:off x="4365625" y="3946525"/>
+            <a:ext cx="523240" cy="0"/>
+          </a:xfrm>
+          <a:prstGeom prst="straightConnector1">
+            <a:avLst/>
+          </a:prstGeom>
+          <a:ln>
+            <a:tailEnd type="arrow"/>
+          </a:ln>
+        </p:spPr>
+        <p:style>
+          <a:lnRef idx="1">
+            <a:schemeClr val="accent1"/>
+          </a:lnRef>
+          <a:fillRef idx="0">
+            <a:schemeClr val="accent1"/>
+          </a:fillRef>
+          <a:effectRef idx="0">
+            <a:schemeClr val="accent1"/>
+          </a:effectRef>
+          <a:fontRef idx="minor">
+            <a:schemeClr val="tx1"/>
+          </a:fontRef>
+        </p:style>
+      </p:cxnSp>
+    </p:spTree>
+    <p:custDataLst>
+      <p:tags r:id="rId1"/>
+    </p:custDataLst>
+  </p:cSld>
+  <p:clrMapOvr>
+    <a:masterClrMapping/>
+  </p:clrMapOvr>
+</p:sld>
+</file>
+
+<file path=ppt/slides/slide4.xml><?xml version="1.0" encoding="utf-8"?>
+<p:sld xmlns:a="http://schemas.openxmlformats.org/drawingml/2006/main" xmlns:r="http://schemas.openxmlformats.org/officeDocument/2006/relationships" xmlns:p="http://schemas.openxmlformats.org/presentationml/2006/main">
+  <p:cSld>
+    <p:spTree>
+      <p:nvGrpSpPr>
+        <p:cNvPr id="1" name=""/>
+        <p:cNvGrpSpPr/>
+        <p:nvPr/>
+      </p:nvGrpSpPr>
+      <p:grpSpPr>
+        <a:xfrm>
+          <a:off x="0" y="0"/>
+          <a:ext cx="0" cy="0"/>
+          <a:chOff x="0" y="0"/>
+          <a:chExt cx="0" cy="0"/>
+        </a:xfrm>
+      </p:grpSpPr>
+      <p:sp>
+        <p:nvSpPr>
+          <p:cNvPr id="27" name="文本框 26"/>
+          <p:cNvSpPr txBox="1"/>
+          <p:nvPr/>
+        </p:nvSpPr>
+        <p:spPr>
+          <a:xfrm>
+            <a:off x="1203325" y="388620"/>
+            <a:ext cx="2621280" cy="829945"/>
+          </a:xfrm>
+          <a:prstGeom prst="rect">
+            <a:avLst/>
+          </a:prstGeom>
+          <a:noFill/>
+        </p:spPr>
+        <p:txBody>
+          <a:bodyPr wrap="none" rtlCol="0">
+            <a:spAutoFit/>
+          </a:bodyPr>
+          <a:p>
+            <a:pPr algn="ctr"/>
+            <a:r>
+              <a:rPr lang="zh-CN" altLang="en-US" sz="4800"/>
+              <a:t>链表反转</a:t>
+            </a:r>
+            <a:endParaRPr lang="zh-CN" altLang="en-US" sz="4800"/>
+          </a:p>
+        </p:txBody>
+      </p:sp>
+      <p:sp>
+        <p:nvSpPr>
+          <p:cNvPr id="4" name="圆角矩形 3"/>
+          <p:cNvSpPr/>
+          <p:nvPr/>
+        </p:nvSpPr>
+        <p:spPr>
+          <a:xfrm>
+            <a:off x="1828165" y="2567940"/>
+            <a:ext cx="561340" cy="515620"/>
+          </a:xfrm>
+          <a:prstGeom prst="roundRect">
+            <a:avLst/>
+          </a:prstGeom>
+        </p:spPr>
+        <p:style>
+          <a:lnRef idx="2">
+            <a:schemeClr val="accent6">
+              <a:shade val="50000"/>
+            </a:schemeClr>
+          </a:lnRef>
+          <a:fillRef idx="1">
+            <a:schemeClr val="accent6"/>
+          </a:fillRef>
+          <a:effectRef idx="0">
+            <a:schemeClr val="accent6"/>
+          </a:effectRef>
+          <a:fontRef idx="minor">
+            <a:schemeClr val="lt1"/>
+          </a:fontRef>
+        </p:style>
+        <p:txBody>
+          <a:bodyPr rtlCol="0" anchor="ctr"/>
+          <a:p>
+            <a:pPr algn="ctr"/>
+            <a:r>
+              <a:rPr lang="en-US" altLang="zh-CN"/>
+              <a:t>1</a:t>
+            </a:r>
+            <a:endParaRPr lang="en-US" altLang="zh-CN"/>
+          </a:p>
+        </p:txBody>
+      </p:sp>
+      <p:sp>
+        <p:nvSpPr>
+          <p:cNvPr id="5" name="圆角矩形 4"/>
+          <p:cNvSpPr/>
+          <p:nvPr/>
+        </p:nvSpPr>
+        <p:spPr>
+          <a:xfrm>
+            <a:off x="3078480" y="2567940"/>
+            <a:ext cx="561340" cy="515620"/>
+          </a:xfrm>
+          <a:prstGeom prst="roundRect">
+            <a:avLst/>
+          </a:prstGeom>
+        </p:spPr>
+        <p:style>
+          <a:lnRef idx="2">
+            <a:schemeClr val="accent6">
+              <a:shade val="50000"/>
+            </a:schemeClr>
+          </a:lnRef>
+          <a:fillRef idx="1">
+            <a:schemeClr val="accent6"/>
+          </a:fillRef>
+          <a:effectRef idx="0">
+            <a:schemeClr val="accent6"/>
+          </a:effectRef>
+          <a:fontRef idx="minor">
+            <a:schemeClr val="lt1"/>
+          </a:fontRef>
+        </p:style>
+        <p:txBody>
+          <a:bodyPr rtlCol="0" anchor="ctr"/>
+          <a:p>
+            <a:pPr algn="ctr"/>
+            <a:r>
+              <a:rPr lang="en-US" altLang="zh-CN"/>
+              <a:t>2</a:t>
+            </a:r>
+            <a:endParaRPr lang="en-US" altLang="zh-CN"/>
+          </a:p>
+        </p:txBody>
+      </p:sp>
+      <p:sp>
+        <p:nvSpPr>
+          <p:cNvPr id="6" name="圆角矩形 5"/>
+          <p:cNvSpPr/>
+          <p:nvPr/>
+        </p:nvSpPr>
+        <p:spPr>
+          <a:xfrm>
+            <a:off x="4908550" y="2567940"/>
+            <a:ext cx="561340" cy="515620"/>
+          </a:xfrm>
+          <a:prstGeom prst="roundRect">
+            <a:avLst/>
+          </a:prstGeom>
+        </p:spPr>
+        <p:style>
+          <a:lnRef idx="2">
+            <a:schemeClr val="accent1">
+              <a:shade val="50000"/>
+            </a:schemeClr>
+          </a:lnRef>
+          <a:fillRef idx="1">
+            <a:schemeClr val="accent1"/>
+          </a:fillRef>
+          <a:effectRef idx="0">
+            <a:schemeClr val="accent1"/>
+          </a:effectRef>
+          <a:fontRef idx="minor">
+            <a:schemeClr val="lt1"/>
+          </a:fontRef>
+        </p:style>
+        <p:txBody>
+          <a:bodyPr rtlCol="0" anchor="ctr"/>
+          <a:p>
+            <a:pPr algn="ctr"/>
+            <a:r>
+              <a:rPr lang="en-US" altLang="zh-CN"/>
+              <a:t>3</a:t>
+            </a:r>
+            <a:endParaRPr lang="en-US" altLang="zh-CN"/>
+          </a:p>
+        </p:txBody>
+      </p:sp>
+      <p:sp>
+        <p:nvSpPr>
+          <p:cNvPr id="20" name="圆角矩形 19"/>
+          <p:cNvSpPr/>
+          <p:nvPr/>
+        </p:nvSpPr>
+        <p:spPr>
+          <a:xfrm>
+            <a:off x="6186805" y="2567940"/>
+            <a:ext cx="561340" cy="515620"/>
+          </a:xfrm>
+          <a:prstGeom prst="roundRect">
+            <a:avLst/>
+          </a:prstGeom>
+        </p:spPr>
+        <p:style>
+          <a:lnRef idx="2">
+            <a:schemeClr val="accent1">
+              <a:shade val="50000"/>
+            </a:schemeClr>
+          </a:lnRef>
+          <a:fillRef idx="1">
+            <a:schemeClr val="accent1"/>
+          </a:fillRef>
+          <a:effectRef idx="0">
+            <a:schemeClr val="accent1"/>
+          </a:effectRef>
+          <a:fontRef idx="minor">
+            <a:schemeClr val="lt1"/>
+          </a:fontRef>
+        </p:style>
+        <p:txBody>
+          <a:bodyPr rtlCol="0" anchor="ctr"/>
+          <a:p>
+            <a:pPr algn="ctr"/>
+            <a:r>
+              <a:rPr lang="en-US" altLang="zh-CN"/>
+              <a:t>4</a:t>
+            </a:r>
+            <a:endParaRPr lang="en-US" altLang="zh-CN"/>
+          </a:p>
+        </p:txBody>
+      </p:sp>
+      <p:cxnSp>
+        <p:nvCxnSpPr>
+          <p:cNvPr id="22" name="直接箭头连接符 21"/>
+          <p:cNvCxnSpPr>
+            <a:stCxn id="6" idx="3"/>
+            <a:endCxn id="20" idx="1"/>
+          </p:cNvCxnSpPr>
+          <p:nvPr/>
+        </p:nvCxnSpPr>
+        <p:spPr>
+          <a:xfrm>
+            <a:off x="5469890" y="2825750"/>
+            <a:ext cx="716915" cy="0"/>
+          </a:xfrm>
+          <a:prstGeom prst="straightConnector1">
+            <a:avLst/>
+          </a:prstGeom>
+          <a:ln>
+            <a:tailEnd type="arrow"/>
+          </a:ln>
+        </p:spPr>
+        <p:style>
+          <a:lnRef idx="1">
+            <a:schemeClr val="accent1"/>
+          </a:lnRef>
+          <a:fillRef idx="0">
+            <a:schemeClr val="accent1"/>
+          </a:fillRef>
+          <a:effectRef idx="0">
+            <a:schemeClr val="accent1"/>
+          </a:effectRef>
+          <a:fontRef idx="minor">
+            <a:schemeClr val="tx1"/>
+          </a:fontRef>
+        </p:style>
+      </p:cxnSp>
+      <p:sp>
+        <p:nvSpPr>
+          <p:cNvPr id="2" name="圆角矩形 1"/>
+          <p:cNvSpPr/>
+          <p:nvPr/>
+        </p:nvSpPr>
+        <p:spPr>
+          <a:xfrm>
+            <a:off x="7316470" y="2567940"/>
+            <a:ext cx="561340" cy="515620"/>
+          </a:xfrm>
+          <a:prstGeom prst="roundRect">
+            <a:avLst/>
+          </a:prstGeom>
+        </p:spPr>
+        <p:style>
+          <a:lnRef idx="2">
+            <a:schemeClr val="accent1">
+              <a:shade val="50000"/>
+            </a:schemeClr>
+          </a:lnRef>
+          <a:fillRef idx="1">
+            <a:schemeClr val="accent1"/>
+          </a:fillRef>
+          <a:effectRef idx="0">
+            <a:schemeClr val="accent1"/>
+          </a:effectRef>
+          <a:fontRef idx="minor">
+            <a:schemeClr val="lt1"/>
+          </a:fontRef>
+        </p:style>
+        <p:txBody>
+          <a:bodyPr rtlCol="0" anchor="ctr"/>
+          <a:p>
+            <a:pPr algn="ctr"/>
+            <a:r>
+              <a:rPr lang="en-US" altLang="zh-CN"/>
+              <a:t>5</a:t>
+            </a:r>
+            <a:endParaRPr lang="en-US" altLang="zh-CN"/>
+          </a:p>
+        </p:txBody>
+      </p:sp>
+      <p:cxnSp>
+        <p:nvCxnSpPr>
+          <p:cNvPr id="3" name="直接箭头连接符 2"/>
+          <p:cNvCxnSpPr>
+            <a:stCxn id="20" idx="3"/>
+            <a:endCxn id="2" idx="1"/>
+          </p:cNvCxnSpPr>
+          <p:nvPr/>
+        </p:nvCxnSpPr>
+        <p:spPr>
+          <a:xfrm>
+            <a:off x="6748145" y="2825750"/>
+            <a:ext cx="568325" cy="0"/>
           </a:xfrm>
           <a:prstGeom prst="straightConnector1">
             <a:avLst/>
@@ -5785,32 +6858,544 @@
         <p:nvCxnSpPr>
           <p:cNvPr id="24" name="直接箭头连接符 23"/>
           <p:cNvCxnSpPr>
-            <a:stCxn id="12" idx="5"/>
-            <a:endCxn id="16" idx="0"/>
+            <a:stCxn id="5" idx="1"/>
+            <a:endCxn id="4" idx="3"/>
           </p:cNvCxnSpPr>
           <p:nvPr/>
         </p:nvCxnSpPr>
         <p:spPr>
-          <a:xfrm>
-            <a:off x="5638800" y="2561590"/>
-            <a:ext cx="249555" cy="314960"/>
+          <a:xfrm flipH="1">
+            <a:off x="2389505" y="2825750"/>
+            <a:ext cx="688975" cy="0"/>
           </a:xfrm>
           <a:prstGeom prst="straightConnector1">
             <a:avLst/>
           </a:prstGeom>
           <a:ln>
-            <a:tailEnd type="arrow"/>
+            <a:tailEnd type="arrow" w="med" len="med"/>
           </a:ln>
         </p:spPr>
         <p:style>
-          <a:lnRef idx="1">
+          <a:lnRef idx="2">
+            <a:schemeClr val="accent6">
+              <a:shade val="50000"/>
+            </a:schemeClr>
+          </a:lnRef>
+          <a:fillRef idx="1">
+            <a:schemeClr val="accent6"/>
+          </a:fillRef>
+          <a:effectRef idx="0">
+            <a:schemeClr val="accent6"/>
+          </a:effectRef>
+          <a:fontRef idx="minor">
+            <a:schemeClr val="lt1"/>
+          </a:fontRef>
+        </p:style>
+      </p:cxnSp>
+      <p:sp>
+        <p:nvSpPr>
+          <p:cNvPr id="25" name="文本框 24"/>
+          <p:cNvSpPr txBox="1"/>
+          <p:nvPr/>
+        </p:nvSpPr>
+        <p:spPr>
+          <a:xfrm>
+            <a:off x="4908550" y="2015490"/>
+            <a:ext cx="868680" cy="368300"/>
+          </a:xfrm>
+          <a:prstGeom prst="rect">
+            <a:avLst/>
+          </a:prstGeom>
+          <a:noFill/>
+        </p:spPr>
+        <p:txBody>
+          <a:bodyPr wrap="none" rtlCol="0">
+            <a:spAutoFit/>
+          </a:bodyPr>
+          <a:p>
+            <a:r>
+              <a:rPr lang="zh-CN" altLang="en-US"/>
+              <a:t>旧链表</a:t>
+            </a:r>
+            <a:endParaRPr lang="zh-CN" altLang="en-US"/>
+          </a:p>
+        </p:txBody>
+      </p:sp>
+      <p:sp>
+        <p:nvSpPr>
+          <p:cNvPr id="26" name="文本框 25"/>
+          <p:cNvSpPr txBox="1"/>
+          <p:nvPr/>
+        </p:nvSpPr>
+        <p:spPr>
+          <a:xfrm>
+            <a:off x="2771140" y="2015490"/>
+            <a:ext cx="868680" cy="368300"/>
+          </a:xfrm>
+          <a:prstGeom prst="rect">
+            <a:avLst/>
+          </a:prstGeom>
+          <a:noFill/>
+        </p:spPr>
+        <p:txBody>
+          <a:bodyPr wrap="none" rtlCol="0">
+            <a:spAutoFit/>
+          </a:bodyPr>
+          <a:p>
+            <a:r>
+              <a:rPr lang="zh-CN" altLang="en-US"/>
+              <a:t>新链表</a:t>
+            </a:r>
+            <a:endParaRPr lang="zh-CN" altLang="en-US"/>
+          </a:p>
+        </p:txBody>
+      </p:sp>
+      <p:sp>
+        <p:nvSpPr>
+          <p:cNvPr id="28" name="文本框 27"/>
+          <p:cNvSpPr txBox="1"/>
+          <p:nvPr/>
+        </p:nvSpPr>
+        <p:spPr>
+          <a:xfrm>
+            <a:off x="4550410" y="3355975"/>
+            <a:ext cx="1278255" cy="368300"/>
+          </a:xfrm>
+          <a:prstGeom prst="rect">
+            <a:avLst/>
+          </a:prstGeom>
+          <a:noFill/>
+        </p:spPr>
+        <p:txBody>
+          <a:bodyPr wrap="square" rtlCol="0" anchor="t">
+            <a:spAutoFit/>
+          </a:bodyPr>
+          <a:p>
+            <a:pPr algn="ctr"/>
+            <a:r>
+              <a:rPr lang="zh-CN" altLang="en-US"/>
+              <a:t>curr_node</a:t>
+            </a:r>
+            <a:endParaRPr lang="zh-CN" altLang="en-US"/>
+          </a:p>
+        </p:txBody>
+      </p:sp>
+      <p:sp>
+        <p:nvSpPr>
+          <p:cNvPr id="29" name="文本框 28"/>
+          <p:cNvSpPr txBox="1"/>
+          <p:nvPr/>
+        </p:nvSpPr>
+        <p:spPr>
+          <a:xfrm>
+            <a:off x="5938520" y="3355975"/>
+            <a:ext cx="1278255" cy="368300"/>
+          </a:xfrm>
+          <a:prstGeom prst="rect">
+            <a:avLst/>
+          </a:prstGeom>
+          <a:noFill/>
+        </p:spPr>
+        <p:txBody>
+          <a:bodyPr wrap="square" rtlCol="0" anchor="t">
+            <a:spAutoFit/>
+          </a:bodyPr>
+          <a:p>
+            <a:pPr algn="ctr"/>
+            <a:r>
+              <a:rPr lang="zh-CN" altLang="en-US"/>
+              <a:t>next_node</a:t>
+            </a:r>
+            <a:endParaRPr lang="zh-CN" altLang="en-US"/>
+          </a:p>
+        </p:txBody>
+      </p:sp>
+      <p:sp>
+        <p:nvSpPr>
+          <p:cNvPr id="30" name="文本框 29"/>
+          <p:cNvSpPr txBox="1"/>
+          <p:nvPr/>
+        </p:nvSpPr>
+        <p:spPr>
+          <a:xfrm>
+            <a:off x="2719705" y="3355975"/>
+            <a:ext cx="1278255" cy="368300"/>
+          </a:xfrm>
+          <a:prstGeom prst="rect">
+            <a:avLst/>
+          </a:prstGeom>
+          <a:noFill/>
+        </p:spPr>
+        <p:txBody>
+          <a:bodyPr wrap="square" rtlCol="0" anchor="t">
+            <a:spAutoFit/>
+          </a:bodyPr>
+          <a:p>
+            <a:pPr algn="ctr"/>
+            <a:r>
+              <a:rPr lang="zh-CN" altLang="en-US"/>
+              <a:t>new_root</a:t>
+            </a:r>
+            <a:endParaRPr lang="zh-CN" altLang="en-US"/>
+          </a:p>
+        </p:txBody>
+      </p:sp>
+      <p:sp>
+        <p:nvSpPr>
+          <p:cNvPr id="31" name="文本框 30"/>
+          <p:cNvSpPr txBox="1"/>
+          <p:nvPr/>
+        </p:nvSpPr>
+        <p:spPr>
+          <a:xfrm>
+            <a:off x="1589405" y="3967480"/>
+            <a:ext cx="7040880" cy="368300"/>
+          </a:xfrm>
+          <a:prstGeom prst="rect">
+            <a:avLst/>
+          </a:prstGeom>
+          <a:noFill/>
+        </p:spPr>
+        <p:txBody>
+          <a:bodyPr wrap="none" rtlCol="0">
+            <a:spAutoFit/>
+          </a:bodyPr>
+          <a:p>
+            <a:r>
+              <a:rPr lang="zh-CN" altLang="en-US"/>
+              <a:t>遍历旧链表，每次把旧链表的第一个节点，变成新链表的第一个节点</a:t>
+            </a:r>
+            <a:endParaRPr lang="zh-CN" altLang="en-US"/>
+          </a:p>
+        </p:txBody>
+      </p:sp>
+    </p:spTree>
+    <p:custDataLst>
+      <p:tags r:id="rId1"/>
+    </p:custDataLst>
+  </p:cSld>
+  <p:clrMapOvr>
+    <a:masterClrMapping/>
+  </p:clrMapOvr>
+</p:sld>
+</file>
+
+<file path=ppt/slides/slide5.xml><?xml version="1.0" encoding="utf-8"?>
+<p:sld xmlns:a="http://schemas.openxmlformats.org/drawingml/2006/main" xmlns:r="http://schemas.openxmlformats.org/officeDocument/2006/relationships" xmlns:p="http://schemas.openxmlformats.org/presentationml/2006/main">
+  <p:cSld>
+    <p:spTree>
+      <p:nvGrpSpPr>
+        <p:cNvPr id="1" name=""/>
+        <p:cNvGrpSpPr/>
+        <p:nvPr/>
+      </p:nvGrpSpPr>
+      <p:grpSpPr>
+        <a:xfrm>
+          <a:off x="0" y="0"/>
+          <a:ext cx="0" cy="0"/>
+          <a:chOff x="0" y="0"/>
+          <a:chExt cx="0" cy="0"/>
+        </a:xfrm>
+      </p:grpSpPr>
+      <p:sp>
+        <p:nvSpPr>
+          <p:cNvPr id="27" name="文本框 26"/>
+          <p:cNvSpPr txBox="1"/>
+          <p:nvPr/>
+        </p:nvSpPr>
+        <p:spPr>
+          <a:xfrm>
+            <a:off x="593725" y="388620"/>
+            <a:ext cx="3840480" cy="829945"/>
+          </a:xfrm>
+          <a:prstGeom prst="rect">
+            <a:avLst/>
+          </a:prstGeom>
+          <a:noFill/>
+        </p:spPr>
+        <p:txBody>
+          <a:bodyPr wrap="none" rtlCol="0">
+            <a:spAutoFit/>
+          </a:bodyPr>
+          <a:p>
+            <a:pPr algn="ctr"/>
+            <a:r>
+              <a:rPr lang="zh-CN" altLang="en-US" sz="4800"/>
+              <a:t>括号匹配算法</a:t>
+            </a:r>
+            <a:endParaRPr lang="zh-CN" altLang="en-US" sz="4800"/>
+          </a:p>
+        </p:txBody>
+      </p:sp>
+      <p:sp>
+        <p:nvSpPr>
+          <p:cNvPr id="7" name="矩形 6"/>
+          <p:cNvSpPr/>
+          <p:nvPr/>
+        </p:nvSpPr>
+        <p:spPr>
+          <a:xfrm>
+            <a:off x="1833880" y="3432810"/>
+            <a:ext cx="1086485" cy="893445"/>
+          </a:xfrm>
+          <a:prstGeom prst="rect">
+            <a:avLst/>
+          </a:prstGeom>
+        </p:spPr>
+        <p:style>
+          <a:lnRef idx="3">
+            <a:schemeClr val="lt1"/>
+          </a:lnRef>
+          <a:fillRef idx="1">
+            <a:schemeClr val="accent2"/>
+          </a:fillRef>
+          <a:effectRef idx="1">
+            <a:schemeClr val="accent2"/>
+          </a:effectRef>
+          <a:fontRef idx="minor">
+            <a:schemeClr val="lt1"/>
+          </a:fontRef>
+        </p:style>
+        <p:txBody>
+          <a:bodyPr rtlCol="0" anchor="ctr"/>
+          <a:p>
+            <a:pPr algn="ctr"/>
+            <a:r>
+              <a:rPr lang="en-US" altLang="zh-CN" sz="3600" b="1"/>
+              <a:t>{</a:t>
+            </a:r>
+            <a:endParaRPr lang="en-US" altLang="zh-CN" sz="3600" b="1"/>
+          </a:p>
+        </p:txBody>
+      </p:sp>
+      <p:sp>
+        <p:nvSpPr>
+          <p:cNvPr id="8" name="矩形 7"/>
+          <p:cNvSpPr/>
+          <p:nvPr/>
+        </p:nvSpPr>
+        <p:spPr>
+          <a:xfrm>
+            <a:off x="1833880" y="4326255"/>
+            <a:ext cx="1086485" cy="893445"/>
+          </a:xfrm>
+          <a:prstGeom prst="rect">
+            <a:avLst/>
+          </a:prstGeom>
+        </p:spPr>
+        <p:style>
+          <a:lnRef idx="3">
+            <a:schemeClr val="lt1"/>
+          </a:lnRef>
+          <a:fillRef idx="1">
             <a:schemeClr val="accent1"/>
+          </a:fillRef>
+          <a:effectRef idx="1">
+            <a:schemeClr val="accent1"/>
+          </a:effectRef>
+          <a:fontRef idx="minor">
+            <a:schemeClr val="lt1"/>
+          </a:fontRef>
+        </p:style>
+        <p:txBody>
+          <a:bodyPr rtlCol="0" anchor="ctr"/>
+          <a:p>
+            <a:pPr algn="ctr"/>
+            <a:r>
+              <a:rPr lang="en-US" altLang="zh-CN" sz="3600" b="1"/>
+              <a:t>(</a:t>
+            </a:r>
+            <a:endParaRPr lang="en-US" altLang="zh-CN" sz="3600" b="1"/>
+          </a:p>
+        </p:txBody>
+      </p:sp>
+      <p:sp>
+        <p:nvSpPr>
+          <p:cNvPr id="9" name="矩形 8"/>
+          <p:cNvSpPr/>
+          <p:nvPr/>
+        </p:nvSpPr>
+        <p:spPr>
+          <a:xfrm>
+            <a:off x="3801745" y="2105660"/>
+            <a:ext cx="1086485" cy="893445"/>
+          </a:xfrm>
+          <a:prstGeom prst="rect">
+            <a:avLst/>
+          </a:prstGeom>
+        </p:spPr>
+        <p:style>
+          <a:lnRef idx="3">
+            <a:schemeClr val="lt1"/>
+          </a:lnRef>
+          <a:fillRef idx="1">
+            <a:schemeClr val="accent2"/>
+          </a:fillRef>
+          <a:effectRef idx="1">
+            <a:schemeClr val="accent2"/>
+          </a:effectRef>
+          <a:fontRef idx="minor">
+            <a:schemeClr val="lt1"/>
+          </a:fontRef>
+        </p:style>
+        <p:txBody>
+          <a:bodyPr rtlCol="0" anchor="ctr"/>
+          <a:p>
+            <a:pPr algn="ctr"/>
+            <a:r>
+              <a:rPr lang="en-US" altLang="zh-CN" sz="3600" b="1"/>
+              <a:t>}</a:t>
+            </a:r>
+            <a:endParaRPr lang="en-US" altLang="zh-CN" sz="3600" b="1"/>
+          </a:p>
+        </p:txBody>
+      </p:sp>
+      <p:sp>
+        <p:nvSpPr>
+          <p:cNvPr id="11" name="矩形 10"/>
+          <p:cNvSpPr/>
+          <p:nvPr/>
+        </p:nvSpPr>
+        <p:spPr>
+          <a:xfrm>
+            <a:off x="5440680" y="4326255"/>
+            <a:ext cx="1086485" cy="893445"/>
+          </a:xfrm>
+          <a:prstGeom prst="rect">
+            <a:avLst/>
+          </a:prstGeom>
+        </p:spPr>
+        <p:style>
+          <a:lnRef idx="3">
+            <a:schemeClr val="lt1"/>
+          </a:lnRef>
+          <a:fillRef idx="1">
+            <a:schemeClr val="accent1"/>
+          </a:fillRef>
+          <a:effectRef idx="1">
+            <a:schemeClr val="accent1"/>
+          </a:effectRef>
+          <a:fontRef idx="minor">
+            <a:schemeClr val="lt1"/>
+          </a:fontRef>
+        </p:style>
+        <p:txBody>
+          <a:bodyPr rtlCol="0" anchor="ctr"/>
+          <a:p>
+            <a:pPr algn="ctr"/>
+            <a:r>
+              <a:rPr lang="en-US" altLang="zh-CN" sz="3600" b="1"/>
+              <a:t>(</a:t>
+            </a:r>
+            <a:endParaRPr lang="en-US" altLang="zh-CN" sz="3600" b="1"/>
+          </a:p>
+        </p:txBody>
+      </p:sp>
+      <p:sp>
+        <p:nvSpPr>
+          <p:cNvPr id="13" name="矩形 12"/>
+          <p:cNvSpPr/>
+          <p:nvPr/>
+        </p:nvSpPr>
+        <p:spPr>
+          <a:xfrm>
+            <a:off x="7031355" y="2105660"/>
+            <a:ext cx="1086485" cy="893445"/>
+          </a:xfrm>
+          <a:prstGeom prst="rect">
+            <a:avLst/>
+          </a:prstGeom>
+        </p:spPr>
+        <p:style>
+          <a:lnRef idx="3">
+            <a:schemeClr val="lt1"/>
+          </a:lnRef>
+          <a:fillRef idx="1">
+            <a:schemeClr val="accent1"/>
+          </a:fillRef>
+          <a:effectRef idx="1">
+            <a:schemeClr val="accent1"/>
+          </a:effectRef>
+          <a:fontRef idx="minor">
+            <a:schemeClr val="lt1"/>
+          </a:fontRef>
+        </p:style>
+        <p:txBody>
+          <a:bodyPr rtlCol="0" anchor="ctr"/>
+          <a:p>
+            <a:pPr algn="ctr"/>
+            <a:r>
+              <a:rPr lang="en-US" altLang="zh-CN" sz="3600" b="1"/>
+              <a:t>)</a:t>
+            </a:r>
+            <a:endParaRPr lang="en-US" altLang="zh-CN" sz="3600" b="1"/>
+          </a:p>
+        </p:txBody>
+      </p:sp>
+      <p:sp>
+        <p:nvSpPr>
+          <p:cNvPr id="14" name="矩形 13"/>
+          <p:cNvSpPr/>
+          <p:nvPr/>
+        </p:nvSpPr>
+        <p:spPr>
+          <a:xfrm>
+            <a:off x="8651240" y="4326255"/>
+            <a:ext cx="1086485" cy="893445"/>
+          </a:xfrm>
+          <a:prstGeom prst="rect">
+            <a:avLst/>
+          </a:prstGeom>
+        </p:spPr>
+        <p:style>
+          <a:lnRef idx="2">
+            <a:schemeClr val="dk1"/>
+          </a:lnRef>
+          <a:fillRef idx="1">
+            <a:schemeClr val="lt1"/>
+          </a:fillRef>
+          <a:effectRef idx="0">
+            <a:schemeClr val="dk1"/>
+          </a:effectRef>
+          <a:fontRef idx="minor">
+            <a:schemeClr val="dk1"/>
+          </a:fontRef>
+        </p:style>
+        <p:txBody>
+          <a:bodyPr rtlCol="0" anchor="ctr"/>
+          <a:p>
+            <a:pPr algn="ctr"/>
+            <a:endParaRPr lang="en-US" altLang="zh-CN" sz="3600" b="1"/>
+          </a:p>
+        </p:txBody>
+      </p:sp>
+      <p:cxnSp>
+        <p:nvCxnSpPr>
+          <p:cNvPr id="15" name="直接箭头连接符 14"/>
+          <p:cNvCxnSpPr/>
+          <p:nvPr/>
+        </p:nvCxnSpPr>
+        <p:spPr>
+          <a:xfrm flipV="1">
+            <a:off x="2625090" y="2604770"/>
+            <a:ext cx="929640" cy="671830"/>
+          </a:xfrm>
+          <a:prstGeom prst="straightConnector1">
+            <a:avLst/>
+          </a:prstGeom>
+          <a:ln>
+            <a:tailEnd type="arrow" w="med" len="med"/>
+          </a:ln>
+        </p:spPr>
+        <p:style>
+          <a:lnRef idx="3">
+            <a:schemeClr val="accent2"/>
           </a:lnRef>
           <a:fillRef idx="0">
-            <a:schemeClr val="accent1"/>
+            <a:schemeClr val="accent2"/>
           </a:fillRef>
-          <a:effectRef idx="0">
-            <a:schemeClr val="accent1"/>
+          <a:effectRef idx="2">
+            <a:schemeClr val="accent2"/>
           </a:effectRef>
           <a:fontRef idx="minor">
             <a:schemeClr val="tx1"/>
@@ -5819,33 +7404,30 @@
       </p:cxnSp>
       <p:cxnSp>
         <p:nvCxnSpPr>
-          <p:cNvPr id="25" name="直接箭头连接符 24"/>
-          <p:cNvCxnSpPr>
-            <a:stCxn id="13" idx="3"/>
-            <a:endCxn id="17" idx="0"/>
-          </p:cNvCxnSpPr>
+          <p:cNvPr id="16" name="直接箭头连接符 15"/>
+          <p:cNvCxnSpPr/>
           <p:nvPr/>
         </p:nvCxnSpPr>
         <p:spPr>
-          <a:xfrm flipH="1">
-            <a:off x="3397885" y="3170555"/>
-            <a:ext cx="222250" cy="339725"/>
+          <a:xfrm flipV="1">
+            <a:off x="5911215" y="2779395"/>
+            <a:ext cx="920750" cy="1132840"/>
           </a:xfrm>
           <a:prstGeom prst="straightConnector1">
             <a:avLst/>
           </a:prstGeom>
           <a:ln>
-            <a:tailEnd type="arrow"/>
+            <a:tailEnd type="arrow" w="med" len="med"/>
           </a:ln>
         </p:spPr>
         <p:style>
-          <a:lnRef idx="1">
+          <a:lnRef idx="3">
             <a:schemeClr val="accent1"/>
           </a:lnRef>
           <a:fillRef idx="0">
             <a:schemeClr val="accent1"/>
           </a:fillRef>
-          <a:effectRef idx="0">
+          <a:effectRef idx="2">
             <a:schemeClr val="accent1"/>
           </a:effectRef>
           <a:fontRef idx="minor">
@@ -5853,36 +7435,694 @@
           </a:fontRef>
         </p:style>
       </p:cxnSp>
+      <p:sp>
+        <p:nvSpPr>
+          <p:cNvPr id="17" name="文本框 16"/>
+          <p:cNvSpPr txBox="1"/>
+          <p:nvPr/>
+        </p:nvSpPr>
+        <p:spPr>
+          <a:xfrm>
+            <a:off x="2105025" y="5485765"/>
+            <a:ext cx="543560" cy="368300"/>
+          </a:xfrm>
+          <a:prstGeom prst="rect">
+            <a:avLst/>
+          </a:prstGeom>
+          <a:noFill/>
+        </p:spPr>
+        <p:txBody>
+          <a:bodyPr wrap="square" rtlCol="0">
+            <a:spAutoFit/>
+          </a:bodyPr>
+          <a:p>
+            <a:r>
+              <a:rPr lang="zh-CN" altLang="en-US"/>
+              <a:t>栈</a:t>
+            </a:r>
+            <a:endParaRPr lang="zh-CN" altLang="en-US"/>
+          </a:p>
+        </p:txBody>
+      </p:sp>
+      <p:sp>
+        <p:nvSpPr>
+          <p:cNvPr id="18" name="文本框 17"/>
+          <p:cNvSpPr txBox="1"/>
+          <p:nvPr/>
+        </p:nvSpPr>
+        <p:spPr>
+          <a:xfrm>
+            <a:off x="5712460" y="5485765"/>
+            <a:ext cx="543560" cy="368300"/>
+          </a:xfrm>
+          <a:prstGeom prst="rect">
+            <a:avLst/>
+          </a:prstGeom>
+          <a:noFill/>
+        </p:spPr>
+        <p:txBody>
+          <a:bodyPr wrap="square" rtlCol="0">
+            <a:spAutoFit/>
+          </a:bodyPr>
+          <a:p>
+            <a:r>
+              <a:rPr lang="zh-CN" altLang="en-US"/>
+              <a:t>栈</a:t>
+            </a:r>
+            <a:endParaRPr lang="zh-CN" altLang="en-US"/>
+          </a:p>
+        </p:txBody>
+      </p:sp>
+      <p:sp>
+        <p:nvSpPr>
+          <p:cNvPr id="21" name="文本框 20"/>
+          <p:cNvSpPr txBox="1"/>
+          <p:nvPr/>
+        </p:nvSpPr>
+        <p:spPr>
+          <a:xfrm>
+            <a:off x="8922385" y="5485765"/>
+            <a:ext cx="543560" cy="368300"/>
+          </a:xfrm>
+          <a:prstGeom prst="rect">
+            <a:avLst/>
+          </a:prstGeom>
+          <a:noFill/>
+        </p:spPr>
+        <p:txBody>
+          <a:bodyPr wrap="square" rtlCol="0">
+            <a:spAutoFit/>
+          </a:bodyPr>
+          <a:p>
+            <a:r>
+              <a:rPr lang="zh-CN" altLang="en-US"/>
+              <a:t>栈</a:t>
+            </a:r>
+            <a:endParaRPr lang="zh-CN" altLang="en-US"/>
+          </a:p>
+        </p:txBody>
+      </p:sp>
+      <p:sp>
+        <p:nvSpPr>
+          <p:cNvPr id="23" name="文本框 22"/>
+          <p:cNvSpPr txBox="1"/>
+          <p:nvPr/>
+        </p:nvSpPr>
+        <p:spPr>
+          <a:xfrm>
+            <a:off x="3682365" y="1638300"/>
+            <a:ext cx="1325880" cy="368300"/>
+          </a:xfrm>
+          <a:prstGeom prst="rect">
+            <a:avLst/>
+          </a:prstGeom>
+          <a:noFill/>
+        </p:spPr>
+        <p:txBody>
+          <a:bodyPr wrap="none" rtlCol="0">
+            <a:spAutoFit/>
+          </a:bodyPr>
+          <a:p>
+            <a:r>
+              <a:rPr lang="zh-CN" altLang="en-US"/>
+              <a:t>待匹配括号</a:t>
+            </a:r>
+            <a:endParaRPr lang="zh-CN" altLang="en-US"/>
+          </a:p>
+        </p:txBody>
+      </p:sp>
+      <p:sp>
+        <p:nvSpPr>
+          <p:cNvPr id="32" name="文本框 31"/>
+          <p:cNvSpPr txBox="1"/>
+          <p:nvPr/>
+        </p:nvSpPr>
+        <p:spPr>
+          <a:xfrm>
+            <a:off x="6911340" y="1638300"/>
+            <a:ext cx="1325880" cy="368300"/>
+          </a:xfrm>
+          <a:prstGeom prst="rect">
+            <a:avLst/>
+          </a:prstGeom>
+          <a:noFill/>
+        </p:spPr>
+        <p:txBody>
+          <a:bodyPr wrap="none" rtlCol="0">
+            <a:spAutoFit/>
+          </a:bodyPr>
+          <a:p>
+            <a:r>
+              <a:rPr lang="zh-CN" altLang="en-US"/>
+              <a:t>待匹配括号</a:t>
+            </a:r>
+            <a:endParaRPr lang="zh-CN" altLang="en-US"/>
+          </a:p>
+        </p:txBody>
+      </p:sp>
+    </p:spTree>
+    <p:custDataLst>
+      <p:tags r:id="rId1"/>
+    </p:custDataLst>
+  </p:cSld>
+  <p:clrMapOvr>
+    <a:masterClrMapping/>
+  </p:clrMapOvr>
+</p:sld>
+</file>
+
+<file path=ppt/slides/slide6.xml><?xml version="1.0" encoding="utf-8"?>
+<p:sld xmlns:a="http://schemas.openxmlformats.org/drawingml/2006/main" xmlns:r="http://schemas.openxmlformats.org/officeDocument/2006/relationships" xmlns:p="http://schemas.openxmlformats.org/presentationml/2006/main">
+  <p:cSld>
+    <p:spTree>
+      <p:nvGrpSpPr>
+        <p:cNvPr id="1" name=""/>
+        <p:cNvGrpSpPr/>
+        <p:nvPr/>
+      </p:nvGrpSpPr>
+      <p:grpSpPr>
+        <a:xfrm>
+          <a:off x="0" y="0"/>
+          <a:ext cx="0" cy="0"/>
+          <a:chOff x="0" y="0"/>
+          <a:chExt cx="0" cy="0"/>
+        </a:xfrm>
+      </p:grpSpPr>
+      <p:sp>
+        <p:nvSpPr>
+          <p:cNvPr id="10" name="矩形 9"/>
+          <p:cNvSpPr/>
+          <p:nvPr/>
+        </p:nvSpPr>
+        <p:spPr>
+          <a:xfrm>
+            <a:off x="1511300" y="3543935"/>
+            <a:ext cx="8735695" cy="1390015"/>
+          </a:xfrm>
+          <a:prstGeom prst="rect">
+            <a:avLst/>
+          </a:prstGeom>
+        </p:spPr>
+        <p:style>
+          <a:lnRef idx="2">
+            <a:schemeClr val="dk1"/>
+          </a:lnRef>
+          <a:fillRef idx="1">
+            <a:schemeClr val="lt1"/>
+          </a:fillRef>
+          <a:effectRef idx="0">
+            <a:schemeClr val="dk1"/>
+          </a:effectRef>
+          <a:fontRef idx="minor">
+            <a:schemeClr val="dk1"/>
+          </a:fontRef>
+        </p:style>
+        <p:txBody>
+          <a:bodyPr rtlCol="0" anchor="ctr"/>
+          <a:p>
+            <a:pPr algn="ctr"/>
+            <a:endParaRPr lang="zh-CN" altLang="en-US"/>
+          </a:p>
+        </p:txBody>
+      </p:sp>
+      <p:sp>
+        <p:nvSpPr>
+          <p:cNvPr id="27" name="文本框 26"/>
+          <p:cNvSpPr txBox="1"/>
+          <p:nvPr/>
+        </p:nvSpPr>
+        <p:spPr>
+          <a:xfrm>
+            <a:off x="545465" y="361315"/>
+            <a:ext cx="5262880" cy="829945"/>
+          </a:xfrm>
+          <a:prstGeom prst="rect">
+            <a:avLst/>
+          </a:prstGeom>
+          <a:noFill/>
+        </p:spPr>
+        <p:txBody>
+          <a:bodyPr wrap="none" rtlCol="0">
+            <a:spAutoFit/>
+          </a:bodyPr>
+          <a:p>
+            <a:pPr algn="ctr"/>
+            <a:r>
+              <a:rPr lang="zh-CN" altLang="en-US" sz="4800"/>
+              <a:t>哈希表</a:t>
+            </a:r>
+            <a:r>
+              <a:rPr lang="en-US" altLang="zh-CN" sz="4800"/>
+              <a:t>-</a:t>
+            </a:r>
+            <a:r>
+              <a:rPr lang="zh-CN" altLang="en-US" sz="4800"/>
+              <a:t>两个数的和</a:t>
+            </a:r>
+            <a:endParaRPr lang="zh-CN" altLang="en-US" sz="4800"/>
+          </a:p>
+        </p:txBody>
+      </p:sp>
+      <p:sp>
+        <p:nvSpPr>
+          <p:cNvPr id="2" name="矩形 1"/>
+          <p:cNvSpPr/>
+          <p:nvPr/>
+        </p:nvSpPr>
+        <p:spPr>
+          <a:xfrm>
+            <a:off x="1907540" y="3792220"/>
+            <a:ext cx="1086485" cy="893445"/>
+          </a:xfrm>
+          <a:prstGeom prst="rect">
+            <a:avLst/>
+          </a:prstGeom>
+        </p:spPr>
+        <p:style>
+          <a:lnRef idx="3">
+            <a:schemeClr val="lt1"/>
+          </a:lnRef>
+          <a:fillRef idx="1">
+            <a:schemeClr val="accent1"/>
+          </a:fillRef>
+          <a:effectRef idx="1">
+            <a:schemeClr val="accent1"/>
+          </a:effectRef>
+          <a:fontRef idx="minor">
+            <a:schemeClr val="lt1"/>
+          </a:fontRef>
+        </p:style>
+        <p:txBody>
+          <a:bodyPr rtlCol="0" anchor="ctr"/>
+          <a:p>
+            <a:pPr algn="ctr"/>
+            <a:r>
+              <a:rPr lang="en-US" altLang="zh-CN" sz="3600" b="1"/>
+              <a:t>3</a:t>
+            </a:r>
+            <a:endParaRPr lang="en-US" altLang="zh-CN" sz="3600" b="1"/>
+          </a:p>
+        </p:txBody>
+      </p:sp>
+      <p:sp>
+        <p:nvSpPr>
+          <p:cNvPr id="3" name="矩形 2"/>
+          <p:cNvSpPr/>
+          <p:nvPr/>
+        </p:nvSpPr>
+        <p:spPr>
+          <a:xfrm>
+            <a:off x="3580765" y="3792220"/>
+            <a:ext cx="1086485" cy="893445"/>
+          </a:xfrm>
+          <a:prstGeom prst="rect">
+            <a:avLst/>
+          </a:prstGeom>
+        </p:spPr>
+        <p:style>
+          <a:lnRef idx="3">
+            <a:schemeClr val="lt1"/>
+          </a:lnRef>
+          <a:fillRef idx="1">
+            <a:schemeClr val="accent1"/>
+          </a:fillRef>
+          <a:effectRef idx="1">
+            <a:schemeClr val="accent1"/>
+          </a:effectRef>
+          <a:fontRef idx="minor">
+            <a:schemeClr val="lt1"/>
+          </a:fontRef>
+        </p:style>
+        <p:txBody>
+          <a:bodyPr rtlCol="0" anchor="ctr"/>
+          <a:p>
+            <a:pPr algn="ctr"/>
+            <a:r>
+              <a:rPr lang="en-US" altLang="zh-CN" sz="3600" b="1"/>
+              <a:t>4</a:t>
+            </a:r>
+            <a:endParaRPr lang="en-US" altLang="zh-CN" sz="3600" b="1"/>
+          </a:p>
+        </p:txBody>
+      </p:sp>
+      <p:sp>
+        <p:nvSpPr>
+          <p:cNvPr id="4" name="矩形 3"/>
+          <p:cNvSpPr/>
+          <p:nvPr/>
+        </p:nvSpPr>
+        <p:spPr>
+          <a:xfrm>
+            <a:off x="8882380" y="3792220"/>
+            <a:ext cx="1086485" cy="893445"/>
+          </a:xfrm>
+          <a:prstGeom prst="rect">
+            <a:avLst/>
+          </a:prstGeom>
+        </p:spPr>
+        <p:style>
+          <a:lnRef idx="3">
+            <a:schemeClr val="lt1"/>
+          </a:lnRef>
+          <a:fillRef idx="1">
+            <a:schemeClr val="accent1"/>
+          </a:fillRef>
+          <a:effectRef idx="1">
+            <a:schemeClr val="accent1"/>
+          </a:effectRef>
+          <a:fontRef idx="minor">
+            <a:schemeClr val="lt1"/>
+          </a:fontRef>
+        </p:style>
+        <p:txBody>
+          <a:bodyPr rtlCol="0" anchor="ctr"/>
+          <a:p>
+            <a:pPr algn="ctr"/>
+            <a:r>
+              <a:rPr lang="en-US" altLang="zh-CN" sz="3600" b="1"/>
+              <a:t>6</a:t>
+            </a:r>
+            <a:endParaRPr lang="en-US" altLang="zh-CN" sz="3600" b="1"/>
+          </a:p>
+        </p:txBody>
+      </p:sp>
+      <p:sp>
+        <p:nvSpPr>
+          <p:cNvPr id="5" name="矩形 4"/>
+          <p:cNvSpPr/>
+          <p:nvPr/>
+        </p:nvSpPr>
+        <p:spPr>
+          <a:xfrm>
+            <a:off x="7131050" y="3792220"/>
+            <a:ext cx="1086485" cy="893445"/>
+          </a:xfrm>
+          <a:prstGeom prst="rect">
+            <a:avLst/>
+          </a:prstGeom>
+        </p:spPr>
+        <p:style>
+          <a:lnRef idx="3">
+            <a:schemeClr val="lt1"/>
+          </a:lnRef>
+          <a:fillRef idx="1">
+            <a:schemeClr val="accent1"/>
+          </a:fillRef>
+          <a:effectRef idx="1">
+            <a:schemeClr val="accent1"/>
+          </a:effectRef>
+          <a:fontRef idx="minor">
+            <a:schemeClr val="lt1"/>
+          </a:fontRef>
+        </p:style>
+        <p:txBody>
+          <a:bodyPr rtlCol="0" anchor="ctr"/>
+          <a:p>
+            <a:pPr algn="ctr"/>
+            <a:r>
+              <a:rPr lang="en-US" altLang="zh-CN" sz="3600" b="1"/>
+              <a:t>8</a:t>
+            </a:r>
+            <a:endParaRPr lang="en-US" altLang="zh-CN" sz="3600" b="1"/>
+          </a:p>
+        </p:txBody>
+      </p:sp>
+      <p:sp>
+        <p:nvSpPr>
+          <p:cNvPr id="6" name="矩形 5"/>
+          <p:cNvSpPr/>
+          <p:nvPr/>
+        </p:nvSpPr>
+        <p:spPr>
+          <a:xfrm>
+            <a:off x="5454650" y="3792220"/>
+            <a:ext cx="1086485" cy="893445"/>
+          </a:xfrm>
+          <a:prstGeom prst="rect">
+            <a:avLst/>
+          </a:prstGeom>
+        </p:spPr>
+        <p:style>
+          <a:lnRef idx="3">
+            <a:schemeClr val="lt1"/>
+          </a:lnRef>
+          <a:fillRef idx="1">
+            <a:schemeClr val="accent1"/>
+          </a:fillRef>
+          <a:effectRef idx="1">
+            <a:schemeClr val="accent1"/>
+          </a:effectRef>
+          <a:fontRef idx="minor">
+            <a:schemeClr val="lt1"/>
+          </a:fontRef>
+        </p:style>
+        <p:txBody>
+          <a:bodyPr rtlCol="0" anchor="ctr"/>
+          <a:p>
+            <a:pPr algn="ctr"/>
+            <a:r>
+              <a:rPr lang="en-US" altLang="zh-CN" sz="3600" b="1"/>
+              <a:t>2</a:t>
+            </a:r>
+            <a:endParaRPr lang="en-US" altLang="zh-CN" sz="3600" b="1"/>
+          </a:p>
+        </p:txBody>
+      </p:sp>
+      <p:sp>
+        <p:nvSpPr>
+          <p:cNvPr id="12" name="文本框 11"/>
+          <p:cNvSpPr txBox="1"/>
+          <p:nvPr/>
+        </p:nvSpPr>
+        <p:spPr>
+          <a:xfrm>
+            <a:off x="545465" y="4142105"/>
+            <a:ext cx="868680" cy="368300"/>
+          </a:xfrm>
+          <a:prstGeom prst="rect">
+            <a:avLst/>
+          </a:prstGeom>
+          <a:noFill/>
+        </p:spPr>
+        <p:txBody>
+          <a:bodyPr wrap="none" rtlCol="0">
+            <a:spAutoFit/>
+          </a:bodyPr>
+          <a:p>
+            <a:r>
+              <a:rPr lang="zh-CN" altLang="en-US"/>
+              <a:t>哈希表</a:t>
+            </a:r>
+            <a:endParaRPr lang="zh-CN" altLang="en-US"/>
+          </a:p>
+        </p:txBody>
+      </p:sp>
+      <p:sp>
+        <p:nvSpPr>
+          <p:cNvPr id="19" name="文本框 18"/>
+          <p:cNvSpPr txBox="1"/>
+          <p:nvPr/>
+        </p:nvSpPr>
+        <p:spPr>
+          <a:xfrm>
+            <a:off x="1511300" y="1693545"/>
+            <a:ext cx="1784350" cy="583565"/>
+          </a:xfrm>
+          <a:prstGeom prst="rect">
+            <a:avLst/>
+          </a:prstGeom>
+          <a:noFill/>
+        </p:spPr>
+        <p:txBody>
+          <a:bodyPr wrap="none" rtlCol="0">
+            <a:spAutoFit/>
+          </a:bodyPr>
+          <a:p>
+            <a:r>
+              <a:rPr lang="zh-CN" altLang="en-US" b="1">
+                <a:solidFill>
+                  <a:srgbClr val="FF0000"/>
+                </a:solidFill>
+              </a:rPr>
+              <a:t>目标数字和：</a:t>
+            </a:r>
+            <a:r>
+              <a:rPr lang="en-US" altLang="zh-CN" sz="3200" b="1">
+                <a:solidFill>
+                  <a:srgbClr val="FF0000"/>
+                </a:solidFill>
+              </a:rPr>
+              <a:t>6</a:t>
+            </a:r>
+            <a:endParaRPr lang="en-US" altLang="zh-CN" sz="3200" b="1">
+              <a:solidFill>
+                <a:srgbClr val="FF0000"/>
+              </a:solidFill>
+            </a:endParaRPr>
+          </a:p>
+        </p:txBody>
+      </p:sp>
+      <p:sp>
+        <p:nvSpPr>
+          <p:cNvPr id="20" name="矩形 19"/>
+          <p:cNvSpPr/>
+          <p:nvPr/>
+        </p:nvSpPr>
+        <p:spPr>
+          <a:xfrm>
+            <a:off x="5071745" y="1960880"/>
+            <a:ext cx="1086485" cy="893445"/>
+          </a:xfrm>
+          <a:prstGeom prst="rect">
+            <a:avLst/>
+          </a:prstGeom>
+        </p:spPr>
+        <p:style>
+          <a:lnRef idx="2">
+            <a:schemeClr val="accent6">
+              <a:shade val="50000"/>
+            </a:schemeClr>
+          </a:lnRef>
+          <a:fillRef idx="1">
+            <a:schemeClr val="accent6"/>
+          </a:fillRef>
+          <a:effectRef idx="0">
+            <a:schemeClr val="accent6"/>
+          </a:effectRef>
+          <a:fontRef idx="minor">
+            <a:schemeClr val="lt1"/>
+          </a:fontRef>
+        </p:style>
+        <p:txBody>
+          <a:bodyPr rtlCol="0" anchor="ctr"/>
+          <a:p>
+            <a:pPr algn="ctr"/>
+            <a:r>
+              <a:rPr lang="en-US" altLang="zh-CN" sz="3600" b="1"/>
+              <a:t>2</a:t>
+            </a:r>
+            <a:endParaRPr lang="en-US" altLang="zh-CN" sz="3600" b="1"/>
+          </a:p>
+        </p:txBody>
+      </p:sp>
+      <p:sp>
+        <p:nvSpPr>
+          <p:cNvPr id="22" name="文本框 21"/>
+          <p:cNvSpPr txBox="1"/>
+          <p:nvPr/>
+        </p:nvSpPr>
+        <p:spPr>
+          <a:xfrm>
+            <a:off x="4576445" y="2854325"/>
+            <a:ext cx="390525" cy="521970"/>
+          </a:xfrm>
+          <a:prstGeom prst="rect">
+            <a:avLst/>
+          </a:prstGeom>
+          <a:noFill/>
+        </p:spPr>
+        <p:txBody>
+          <a:bodyPr wrap="none" rtlCol="0">
+            <a:spAutoFit/>
+          </a:bodyPr>
+          <a:p>
+            <a:r>
+              <a:rPr lang="en-US" altLang="zh-CN" sz="2800"/>
+              <a:t>+</a:t>
+            </a:r>
+            <a:endParaRPr lang="en-US" altLang="zh-CN" sz="2800"/>
+          </a:p>
+        </p:txBody>
+      </p:sp>
       <p:cxnSp>
         <p:nvCxnSpPr>
-          <p:cNvPr id="26" name="直接箭头连接符 25"/>
-          <p:cNvCxnSpPr>
-            <a:stCxn id="13" idx="5"/>
-            <a:endCxn id="18" idx="0"/>
-          </p:cNvCxnSpPr>
+          <p:cNvPr id="24" name="直接箭头连接符 23"/>
+          <p:cNvCxnSpPr/>
           <p:nvPr/>
         </p:nvCxnSpPr>
         <p:spPr>
-          <a:xfrm>
-            <a:off x="3863975" y="3170555"/>
-            <a:ext cx="222250" cy="339725"/>
+          <a:xfrm flipH="1">
+            <a:off x="4272915" y="2501900"/>
+            <a:ext cx="570865" cy="874395"/>
           </a:xfrm>
           <a:prstGeom prst="straightConnector1">
             <a:avLst/>
           </a:prstGeom>
           <a:ln>
-            <a:tailEnd type="arrow"/>
+            <a:tailEnd type="arrow" w="med" len="med"/>
           </a:ln>
         </p:spPr>
         <p:style>
-          <a:lnRef idx="1">
-            <a:schemeClr val="accent1"/>
+          <a:lnRef idx="3">
+            <a:schemeClr val="dk1"/>
           </a:lnRef>
           <a:fillRef idx="0">
-            <a:schemeClr val="accent1"/>
+            <a:schemeClr val="dk1"/>
           </a:fillRef>
-          <a:effectRef idx="0">
-            <a:schemeClr val="accent1"/>
+          <a:effectRef idx="2">
+            <a:schemeClr val="dk1"/>
+          </a:effectRef>
+          <a:fontRef idx="minor">
+            <a:schemeClr val="tx1"/>
+          </a:fontRef>
+        </p:style>
+      </p:cxnSp>
+      <p:sp>
+        <p:nvSpPr>
+          <p:cNvPr id="25" name="文本框 24"/>
+          <p:cNvSpPr txBox="1"/>
+          <p:nvPr/>
+        </p:nvSpPr>
+        <p:spPr>
+          <a:xfrm>
+            <a:off x="3295650" y="2146935"/>
+            <a:ext cx="390525" cy="521970"/>
+          </a:xfrm>
+          <a:prstGeom prst="rect">
+            <a:avLst/>
+          </a:prstGeom>
+          <a:noFill/>
+        </p:spPr>
+        <p:txBody>
+          <a:bodyPr wrap="none" rtlCol="0">
+            <a:spAutoFit/>
+          </a:bodyPr>
+          <a:p>
+            <a:r>
+              <a:rPr lang="en-US" altLang="zh-CN" sz="2800"/>
+              <a:t>=</a:t>
+            </a:r>
+            <a:endParaRPr lang="en-US" altLang="zh-CN" sz="2800"/>
+          </a:p>
+        </p:txBody>
+      </p:sp>
+      <p:cxnSp>
+        <p:nvCxnSpPr>
+          <p:cNvPr id="26" name="直接箭头连接符 25"/>
+          <p:cNvCxnSpPr/>
+          <p:nvPr/>
+        </p:nvCxnSpPr>
+        <p:spPr>
+          <a:xfrm flipH="1" flipV="1">
+            <a:off x="3759835" y="2501900"/>
+            <a:ext cx="596265" cy="454660"/>
+          </a:xfrm>
+          <a:prstGeom prst="straightConnector1">
+            <a:avLst/>
+          </a:prstGeom>
+          <a:ln>
+            <a:tailEnd type="arrow" w="med" len="med"/>
+          </a:ln>
+        </p:spPr>
+        <p:style>
+          <a:lnRef idx="3">
+            <a:schemeClr val="accent2"/>
+          </a:lnRef>
+          <a:fillRef idx="0">
+            <a:schemeClr val="accent2"/>
+          </a:fillRef>
+          <a:effectRef idx="2">
+            <a:schemeClr val="accent2"/>
           </a:effectRef>
           <a:fontRef idx="minor">
             <a:schemeClr val="tx1"/>
@@ -6671,6 +8911,7 @@
   <p:tag name="KSO_WM_TEMPLATE_INDEX" val="20187308"/>
   <p:tag name="KSO_WM_SLIDE_LAYOUT" val="a_b"/>
   <p:tag name="KSO_WM_SLIDE_LAYOUT_CNT" val="1_1"/>
+  <p:tag name="KSO_WM_SLIDE_MODEL_TYPE" val="cover"/>
 </p:tagLst>
 </file>
 
@@ -6693,6 +8934,60 @@
 </file>
 
 <file path=ppt/tags/tag64.xml><?xml version="1.0" encoding="utf-8"?>
+<p:tagLst xmlns:p="http://schemas.openxmlformats.org/presentationml/2006/main">
+  <p:tag name="KSO_WM_TEMPLATE_THUMBS_INDEX" val="1"/>
+  <p:tag name="KSO_WM_SLIDE_ID" val="custom20187308_1"/>
+  <p:tag name="KSO_WM_TEMPLATE_SUBCATEGORY" val="0"/>
+  <p:tag name="KSO_WM_SLIDE_TYPE" val="title"/>
+  <p:tag name="KSO_WM_SLIDE_SUBTYPE" val="defaultBlank"/>
+  <p:tag name="KSO_WM_SLIDE_ITEM_CNT" val="0"/>
+  <p:tag name="KSO_WM_SLIDE_INDEX" val="1"/>
+  <p:tag name="KSO_WM_TAG_VERSION" val="1.0"/>
+  <p:tag name="KSO_WM_BEAUTIFY_FLAG" val="#wm#"/>
+  <p:tag name="KSO_WM_TEMPLATE_CATEGORY" val="custom"/>
+  <p:tag name="KSO_WM_TEMPLATE_INDEX" val="20187308"/>
+  <p:tag name="KSO_WM_SLIDE_LAYOUT" val="a_b"/>
+  <p:tag name="KSO_WM_SLIDE_LAYOUT_CNT" val="1_1"/>
+</p:tagLst>
+</file>
+
+<file path=ppt/tags/tag65.xml><?xml version="1.0" encoding="utf-8"?>
+<p:tagLst xmlns:p="http://schemas.openxmlformats.org/presentationml/2006/main">
+  <p:tag name="KSO_WM_TEMPLATE_THUMBS_INDEX" val="1"/>
+  <p:tag name="KSO_WM_SLIDE_ID" val="custom20187308_1"/>
+  <p:tag name="KSO_WM_TEMPLATE_SUBCATEGORY" val="0"/>
+  <p:tag name="KSO_WM_SLIDE_TYPE" val="title"/>
+  <p:tag name="KSO_WM_SLIDE_SUBTYPE" val="defaultBlank"/>
+  <p:tag name="KSO_WM_SLIDE_ITEM_CNT" val="0"/>
+  <p:tag name="KSO_WM_SLIDE_INDEX" val="1"/>
+  <p:tag name="KSO_WM_TAG_VERSION" val="1.0"/>
+  <p:tag name="KSO_WM_BEAUTIFY_FLAG" val="#wm#"/>
+  <p:tag name="KSO_WM_TEMPLATE_CATEGORY" val="custom"/>
+  <p:tag name="KSO_WM_TEMPLATE_INDEX" val="20187308"/>
+  <p:tag name="KSO_WM_SLIDE_LAYOUT" val="a_b"/>
+  <p:tag name="KSO_WM_SLIDE_LAYOUT_CNT" val="1_1"/>
+</p:tagLst>
+</file>
+
+<file path=ppt/tags/tag66.xml><?xml version="1.0" encoding="utf-8"?>
+<p:tagLst xmlns:p="http://schemas.openxmlformats.org/presentationml/2006/main">
+  <p:tag name="KSO_WM_TEMPLATE_THUMBS_INDEX" val="1"/>
+  <p:tag name="KSO_WM_SLIDE_ID" val="custom20187308_1"/>
+  <p:tag name="KSO_WM_TEMPLATE_SUBCATEGORY" val="0"/>
+  <p:tag name="KSO_WM_SLIDE_TYPE" val="title"/>
+  <p:tag name="KSO_WM_SLIDE_SUBTYPE" val="defaultBlank"/>
+  <p:tag name="KSO_WM_SLIDE_ITEM_CNT" val="0"/>
+  <p:tag name="KSO_WM_SLIDE_INDEX" val="1"/>
+  <p:tag name="KSO_WM_TAG_VERSION" val="1.0"/>
+  <p:tag name="KSO_WM_BEAUTIFY_FLAG" val="#wm#"/>
+  <p:tag name="KSO_WM_TEMPLATE_CATEGORY" val="custom"/>
+  <p:tag name="KSO_WM_TEMPLATE_INDEX" val="20187308"/>
+  <p:tag name="KSO_WM_SLIDE_LAYOUT" val="a_b"/>
+  <p:tag name="KSO_WM_SLIDE_LAYOUT_CNT" val="1_1"/>
+</p:tagLst>
+</file>
+
+<file path=ppt/tags/tag67.xml><?xml version="1.0" encoding="utf-8"?>
 <p:tagLst xmlns:p="http://schemas.openxmlformats.org/presentationml/2006/main">
   <p:tag name="KSO_WM_TEMPLATE_THUMBS_INDEX" val="1"/>
   <p:tag name="KSO_WM_SLIDE_ID" val="custom20187308_1"/>

--- a/互联网公司十大算法面试题.pptx
+++ b/互联网公司十大算法面试题.pptx
@@ -6286,15 +6286,7 @@
                   <a:srgbClr val="FF0000"/>
                 </a:solidFill>
               </a:rPr>
-              <a:t>2</a:t>
-            </a:r>
-            <a:r>
-              <a:rPr lang="en-US" altLang="zh-CN" b="1">
-                <a:solidFill>
-                  <a:srgbClr val="FF0000"/>
-                </a:solidFill>
-              </a:rPr>
-              <a:t>-</a:t>
+              <a:t>2-</a:t>
             </a:r>
             <a:r>
               <a:rPr lang="zh-CN" altLang="en-US" b="1">
